--- a/Kalman Filter.pptx
+++ b/Kalman Filter.pptx
@@ -5,23 +5,21 @@
     <p:sldMasterId id="2147483658" r:id="rId1"/>
   </p:sldMasterIdLst>
   <p:notesMasterIdLst>
-    <p:notesMasterId r:id="rId13"/>
+    <p:notesMasterId r:id="rId11"/>
   </p:notesMasterIdLst>
   <p:handoutMasterIdLst>
-    <p:handoutMasterId r:id="rId14"/>
+    <p:handoutMasterId r:id="rId12"/>
   </p:handoutMasterIdLst>
   <p:sldIdLst>
     <p:sldId id="275" r:id="rId2"/>
     <p:sldId id="257" r:id="rId3"/>
     <p:sldId id="265" r:id="rId4"/>
-    <p:sldId id="266" r:id="rId5"/>
-    <p:sldId id="283" r:id="rId6"/>
-    <p:sldId id="279" r:id="rId7"/>
-    <p:sldId id="278" r:id="rId8"/>
-    <p:sldId id="280" r:id="rId9"/>
-    <p:sldId id="281" r:id="rId10"/>
-    <p:sldId id="282" r:id="rId11"/>
-    <p:sldId id="269" r:id="rId12"/>
+    <p:sldId id="280" r:id="rId5"/>
+    <p:sldId id="282" r:id="rId6"/>
+    <p:sldId id="281" r:id="rId7"/>
+    <p:sldId id="283" r:id="rId8"/>
+    <p:sldId id="266" r:id="rId9"/>
+    <p:sldId id="269" r:id="rId10"/>
   </p:sldIdLst>
   <p:sldSz cx="9144000" cy="6858000" type="screen4x3"/>
   <p:notesSz cx="6858000" cy="9144000"/>
@@ -121,6 +119,35 @@
     </a:lvl9pPr>
   </p:defaultTextStyle>
   <p:extLst>
+    <p:ext uri="{521415D9-36F7-43E2-AB2F-B90AF26B5E84}">
+      <p14:sectionLst xmlns:p14="http://schemas.microsoft.com/office/powerpoint/2010/main">
+        <p14:section name="Default Section" id="{EEA12982-D8BE-4574-93D9-20136A91EF5E}">
+          <p14:sldIdLst>
+            <p14:sldId id="275"/>
+            <p14:sldId id="257"/>
+            <p14:sldId id="265"/>
+          </p14:sldIdLst>
+        </p14:section>
+        <p14:section name="Tổng quan" id="{659FDDD4-AA38-4581-8D60-34E6B27AFE49}">
+          <p14:sldIdLst>
+            <p14:sldId id="280"/>
+          </p14:sldIdLst>
+        </p14:section>
+        <p14:section name="Giải thích thuật toán" id="{C7487CF0-20C2-493B-8869-0289A58C0581}">
+          <p14:sldIdLst>
+            <p14:sldId id="282"/>
+            <p14:sldId id="281"/>
+          </p14:sldIdLst>
+        </p14:section>
+        <p14:section name="Áp dụng thuật toán" id="{C34DEAB7-CE9C-4903-858A-DD51500226A1}">
+          <p14:sldIdLst>
+            <p14:sldId id="283"/>
+            <p14:sldId id="266"/>
+            <p14:sldId id="269"/>
+          </p14:sldIdLst>
+        </p14:section>
+      </p14:sectionLst>
+    </p:ext>
     <p:ext uri="{EFAFB233-063F-42B5-8137-9DF3F51BA10A}">
       <p15:sldGuideLst xmlns:p15="http://schemas.microsoft.com/office/powerpoint/2012/main"/>
     </p:ext>
@@ -131,7 +158,7 @@
 <file path=ppt/revisionInfo.xml><?xml version="1.0" encoding="utf-8"?>
 <p1510:revInfo xmlns:a="http://schemas.openxmlformats.org/drawingml/2006/main" xmlns:r="http://schemas.openxmlformats.org/officeDocument/2006/relationships" xmlns:p1510="http://schemas.microsoft.com/office/powerpoint/2015/10/main">
   <p1510:revLst>
-    <p1510:client id="{F5CCC38A-7E86-487C-930F-015A15E99866}" v="271" dt="2024-06-03T23:15:42.964"/>
+    <p1510:client id="{7FFF3EF2-49BB-41DB-B759-4979FCA49F70}" v="2" dt="2024-06-13T10:22:13.015"/>
   </p1510:revLst>
 </p1510:revInfo>
 </file>
@@ -1310,6 +1337,135 @@
           </pc:sldLayoutMkLst>
         </pc:sldLayoutChg>
       </pc:sldMasterChg>
+    </pc:docChg>
+  </pc:docChgLst>
+  <pc:docChgLst>
+    <pc:chgData name="Le Thanh Luan 20203494" userId="e6790f2b-c2ab-47d8-8739-ba7d3d00e978" providerId="ADAL" clId="{7FFF3EF2-49BB-41DB-B759-4979FCA49F70}"/>
+    <pc:docChg chg="undo custSel addSld delSld modSld sldOrd addSection modSection">
+      <pc:chgData name="Le Thanh Luan 20203494" userId="e6790f2b-c2ab-47d8-8739-ba7d3d00e978" providerId="ADAL" clId="{7FFF3EF2-49BB-41DB-B759-4979FCA49F70}" dt="2024-06-13T10:22:22.484" v="910" actId="1076"/>
+      <pc:docMkLst>
+        <pc:docMk/>
+      </pc:docMkLst>
+      <pc:sldChg chg="delSp mod modNotesTx">
+        <pc:chgData name="Le Thanh Luan 20203494" userId="e6790f2b-c2ab-47d8-8739-ba7d3d00e978" providerId="ADAL" clId="{7FFF3EF2-49BB-41DB-B759-4979FCA49F70}" dt="2024-06-12T16:26:50.619" v="432" actId="20577"/>
+        <pc:sldMkLst>
+          <pc:docMk/>
+          <pc:sldMk cId="292364014" sldId="265"/>
+        </pc:sldMkLst>
+        <pc:spChg chg="del">
+          <ac:chgData name="Le Thanh Luan 20203494" userId="e6790f2b-c2ab-47d8-8739-ba7d3d00e978" providerId="ADAL" clId="{7FFF3EF2-49BB-41DB-B759-4979FCA49F70}" dt="2024-06-12T16:23:29.780" v="262" actId="478"/>
+          <ac:spMkLst>
+            <pc:docMk/>
+            <pc:sldMk cId="292364014" sldId="265"/>
+            <ac:spMk id="5" creationId="{307A2E5D-6F0D-77F1-E002-3B0A61968C16}"/>
+          </ac:spMkLst>
+        </pc:spChg>
+      </pc:sldChg>
+      <pc:sldChg chg="addSp delSp modSp mod ord">
+        <pc:chgData name="Le Thanh Luan 20203494" userId="e6790f2b-c2ab-47d8-8739-ba7d3d00e978" providerId="ADAL" clId="{7FFF3EF2-49BB-41DB-B759-4979FCA49F70}" dt="2024-06-13T07:47:26.902" v="854" actId="1076"/>
+        <pc:sldMkLst>
+          <pc:docMk/>
+          <pc:sldMk cId="2751358436" sldId="266"/>
+        </pc:sldMkLst>
+        <pc:spChg chg="mod">
+          <ac:chgData name="Le Thanh Luan 20203494" userId="e6790f2b-c2ab-47d8-8739-ba7d3d00e978" providerId="ADAL" clId="{7FFF3EF2-49BB-41DB-B759-4979FCA49F70}" dt="2024-06-13T07:46:09.275" v="846" actId="1076"/>
+          <ac:spMkLst>
+            <pc:docMk/>
+            <pc:sldMk cId="2751358436" sldId="266"/>
+            <ac:spMk id="4" creationId="{BC311219-8684-45FC-A126-E067924AC7F7}"/>
+          </ac:spMkLst>
+        </pc:spChg>
+        <pc:picChg chg="add del mod">
+          <ac:chgData name="Le Thanh Luan 20203494" userId="e6790f2b-c2ab-47d8-8739-ba7d3d00e978" providerId="ADAL" clId="{7FFF3EF2-49BB-41DB-B759-4979FCA49F70}" dt="2024-06-13T07:47:18.336" v="850" actId="478"/>
+          <ac:picMkLst>
+            <pc:docMk/>
+            <pc:sldMk cId="2751358436" sldId="266"/>
+            <ac:picMk id="6" creationId="{2DA68C45-FAF5-81FE-29DB-847DBE3045BB}"/>
+          </ac:picMkLst>
+        </pc:picChg>
+        <pc:picChg chg="add mod">
+          <ac:chgData name="Le Thanh Luan 20203494" userId="e6790f2b-c2ab-47d8-8739-ba7d3d00e978" providerId="ADAL" clId="{7FFF3EF2-49BB-41DB-B759-4979FCA49F70}" dt="2024-06-13T07:47:26.902" v="854" actId="1076"/>
+          <ac:picMkLst>
+            <pc:docMk/>
+            <pc:sldMk cId="2751358436" sldId="266"/>
+            <ac:picMk id="8" creationId="{B1BDDB87-B0A9-1BE0-E994-B7A1D9C8F54E}"/>
+          </ac:picMkLst>
+        </pc:picChg>
+      </pc:sldChg>
+      <pc:sldChg chg="del">
+        <pc:chgData name="Le Thanh Luan 20203494" userId="e6790f2b-c2ab-47d8-8739-ba7d3d00e978" providerId="ADAL" clId="{7FFF3EF2-49BB-41DB-B759-4979FCA49F70}" dt="2024-06-13T07:48:49.348" v="863" actId="47"/>
+        <pc:sldMkLst>
+          <pc:docMk/>
+          <pc:sldMk cId="2376629047" sldId="278"/>
+        </pc:sldMkLst>
+      </pc:sldChg>
+      <pc:sldChg chg="del">
+        <pc:chgData name="Le Thanh Luan 20203494" userId="e6790f2b-c2ab-47d8-8739-ba7d3d00e978" providerId="ADAL" clId="{7FFF3EF2-49BB-41DB-B759-4979FCA49F70}" dt="2024-06-13T07:48:49.348" v="863" actId="47"/>
+        <pc:sldMkLst>
+          <pc:docMk/>
+          <pc:sldMk cId="1264664164" sldId="279"/>
+        </pc:sldMkLst>
+      </pc:sldChg>
+      <pc:sldChg chg="modSp mod">
+        <pc:chgData name="Le Thanh Luan 20203494" userId="e6790f2b-c2ab-47d8-8739-ba7d3d00e978" providerId="ADAL" clId="{7FFF3EF2-49BB-41DB-B759-4979FCA49F70}" dt="2024-06-13T07:48:15.658" v="858" actId="1076"/>
+        <pc:sldMkLst>
+          <pc:docMk/>
+          <pc:sldMk cId="838677936" sldId="280"/>
+        </pc:sldMkLst>
+        <pc:picChg chg="mod">
+          <ac:chgData name="Le Thanh Luan 20203494" userId="e6790f2b-c2ab-47d8-8739-ba7d3d00e978" providerId="ADAL" clId="{7FFF3EF2-49BB-41DB-B759-4979FCA49F70}" dt="2024-06-13T07:48:15.658" v="858" actId="1076"/>
+          <ac:picMkLst>
+            <pc:docMk/>
+            <pc:sldMk cId="838677936" sldId="280"/>
+            <ac:picMk id="4" creationId="{69868A84-B7AD-EE69-F59C-38CE5B237FF1}"/>
+          </ac:picMkLst>
+        </pc:picChg>
+      </pc:sldChg>
+      <pc:sldChg chg="ord">
+        <pc:chgData name="Le Thanh Luan 20203494" userId="e6790f2b-c2ab-47d8-8739-ba7d3d00e978" providerId="ADAL" clId="{7FFF3EF2-49BB-41DB-B759-4979FCA49F70}" dt="2024-06-13T07:48:29.514" v="860"/>
+        <pc:sldMkLst>
+          <pc:docMk/>
+          <pc:sldMk cId="3028156855" sldId="282"/>
+        </pc:sldMkLst>
+      </pc:sldChg>
+      <pc:sldChg chg="del">
+        <pc:chgData name="Le Thanh Luan 20203494" userId="e6790f2b-c2ab-47d8-8739-ba7d3d00e978" providerId="ADAL" clId="{7FFF3EF2-49BB-41DB-B759-4979FCA49F70}" dt="2024-06-13T07:47:44.973" v="855" actId="47"/>
+        <pc:sldMkLst>
+          <pc:docMk/>
+          <pc:sldMk cId="3680930102" sldId="283"/>
+        </pc:sldMkLst>
+      </pc:sldChg>
+      <pc:sldChg chg="addSp delSp modSp new mod">
+        <pc:chgData name="Le Thanh Luan 20203494" userId="e6790f2b-c2ab-47d8-8739-ba7d3d00e978" providerId="ADAL" clId="{7FFF3EF2-49BB-41DB-B759-4979FCA49F70}" dt="2024-06-13T10:22:22.484" v="910" actId="1076"/>
+        <pc:sldMkLst>
+          <pc:docMk/>
+          <pc:sldMk cId="3709635301" sldId="283"/>
+        </pc:sldMkLst>
+        <pc:spChg chg="mod">
+          <ac:chgData name="Le Thanh Luan 20203494" userId="e6790f2b-c2ab-47d8-8739-ba7d3d00e978" providerId="ADAL" clId="{7FFF3EF2-49BB-41DB-B759-4979FCA49F70}" dt="2024-06-13T10:22:07.022" v="906" actId="20577"/>
+          <ac:spMkLst>
+            <pc:docMk/>
+            <pc:sldMk cId="3709635301" sldId="283"/>
+            <ac:spMk id="3" creationId="{9ADD062A-1BFF-DAE3-9345-6EA3485F7F2C}"/>
+          </ac:spMkLst>
+        </pc:spChg>
+        <pc:spChg chg="del">
+          <ac:chgData name="Le Thanh Luan 20203494" userId="e6790f2b-c2ab-47d8-8739-ba7d3d00e978" providerId="ADAL" clId="{7FFF3EF2-49BB-41DB-B759-4979FCA49F70}" dt="2024-06-13T10:22:11.598" v="907" actId="478"/>
+          <ac:spMkLst>
+            <pc:docMk/>
+            <pc:sldMk cId="3709635301" sldId="283"/>
+            <ac:spMk id="4" creationId="{59226FDD-35E6-E90D-9F8F-7EDC06AEF49F}"/>
+          </ac:spMkLst>
+        </pc:spChg>
+        <pc:picChg chg="add mod">
+          <ac:chgData name="Le Thanh Luan 20203494" userId="e6790f2b-c2ab-47d8-8739-ba7d3d00e978" providerId="ADAL" clId="{7FFF3EF2-49BB-41DB-B759-4979FCA49F70}" dt="2024-06-13T10:22:22.484" v="910" actId="1076"/>
+          <ac:picMkLst>
+            <pc:docMk/>
+            <pc:sldMk cId="3709635301" sldId="283"/>
+            <ac:picMk id="5" creationId="{FFEA6A8A-967F-8088-7309-55466A5A0DE6}"/>
+          </ac:picMkLst>
+        </pc:picChg>
+      </pc:sldChg>
     </pc:docChg>
   </pc:docChgLst>
 </pc:chgInfo>
@@ -1409,7 +1565,7 @@
           <a:p>
             <a:fld id="{48B45424-6BAC-416C-8F6C-5F9DE854A36B}" type="datetimeFigureOut">
               <a:rPr lang="en-US" smtClean="0"/>
-              <a:t>6/6/2024</a:t>
+              <a:t>6/13/2024</a:t>
             </a:fld>
             <a:endParaRPr lang="en-US"/>
           </a:p>
@@ -1587,7 +1743,7 @@
           <a:p>
             <a:fld id="{6B733702-C25A-40B9-9167-54BAA79B29B0}" type="datetimeFigureOut">
               <a:rPr lang="en-US" smtClean="0"/>
-              <a:t>6/6/2024</a:t>
+              <a:t>6/13/2024</a:t>
             </a:fld>
             <a:endParaRPr lang="en-US"/>
           </a:p>
@@ -1905,7 +2061,7 @@
             </a:pPr>
             <a:r>
               <a:rPr lang="vi-VN" dirty="0"/>
-              <a:t>Thực hiện giữa 2 điểm với nhau</a:t>
+              <a:t>Cần hiểu được ý tưởng: tại sao lại có ý tưởng về kalman filter</a:t>
             </a:r>
           </a:p>
           <a:p>
@@ -1915,7 +2071,7 @@
             </a:pPr>
             <a:r>
               <a:rPr lang="vi-VN" dirty="0"/>
-              <a:t>Điểm trước sử dụng thời gian và vận tốc để dự đoán trạng thái tiếp theo (xpre)</a:t>
+              <a:t>Kalman filter áp dụng vào bài toán như nào ? Cách hoạt động và code ?</a:t>
             </a:r>
           </a:p>
           <a:p>
@@ -1925,8 +2081,13 @@
             </a:pPr>
             <a:r>
               <a:rPr lang="vi-VN" dirty="0"/>
-              <a:t>Giá trị ước tính (đầu ra) là tổng giá trị dự đoán trạng thái tiếp theo (xpre) và tích kalman gain với sai số đo lường với giá trị dự đoán (K.(z-xpre))</a:t>
+              <a:t>Khảo sát </a:t>
             </a:r>
+            <a:r>
+              <a:rPr lang="vi-VN"/>
+              <a:t>kalman filter</a:t>
+            </a:r>
+            <a:endParaRPr lang="vi-VN" dirty="0"/>
           </a:p>
         </p:txBody>
       </p:sp>
@@ -1947,7 +2108,7 @@
           <a:p>
             <a:fld id="{AB2FC7A4-3D1B-482D-8C9D-7642A2CE3076}" type="slidenum">
               <a:rPr lang="en-US" smtClean="0"/>
-              <a:t>4</a:t>
+              <a:t>3</a:t>
             </a:fld>
             <a:endParaRPr lang="en-US"/>
           </a:p>
@@ -1956,7 +2117,7 @@
     </p:spTree>
     <p:extLst>
       <p:ext uri="{BB962C8B-B14F-4D97-AF65-F5344CB8AC3E}">
-        <p14:creationId xmlns:p14="http://schemas.microsoft.com/office/powerpoint/2010/main" val="1016900577"/>
+        <p14:creationId xmlns:p14="http://schemas.microsoft.com/office/powerpoint/2010/main" val="1264809586"/>
       </p:ext>
     </p:extLst>
   </p:cSld>
@@ -2035,7 +2196,7 @@
           <a:p>
             <a:fld id="{AB2FC7A4-3D1B-482D-8C9D-7642A2CE3076}" type="slidenum">
               <a:rPr lang="en-US" smtClean="0"/>
-              <a:t>5</a:t>
+              <a:t>4</a:t>
             </a:fld>
             <a:endParaRPr lang="en-US"/>
           </a:p>
@@ -2044,7 +2205,7 @@
     </p:spTree>
     <p:extLst>
       <p:ext uri="{BB962C8B-B14F-4D97-AF65-F5344CB8AC3E}">
-        <p14:creationId xmlns:p14="http://schemas.microsoft.com/office/powerpoint/2010/main" val="2412937688"/>
+        <p14:creationId xmlns:p14="http://schemas.microsoft.com/office/powerpoint/2010/main" val="694839192"/>
       </p:ext>
     </p:extLst>
   </p:cSld>
@@ -2098,11 +2259,34 @@
           <a:bodyPr/>
           <a:lstStyle/>
           <a:p>
+            <a:pPr marL="171450" indent="-171450">
+              <a:buFontTx/>
+              <a:buChar char="-"/>
+            </a:pPr>
             <a:r>
               <a:rPr lang="vi-VN" dirty="0"/>
-              <a:t>Xk-: ma trận ước tính</a:t>
+              <a:t>Thực hiện giữa 2 điểm với nhau</a:t>
             </a:r>
-            <a:endParaRPr lang="en-US" dirty="0"/>
+          </a:p>
+          <a:p>
+            <a:pPr marL="171450" indent="-171450">
+              <a:buFontTx/>
+              <a:buChar char="-"/>
+            </a:pPr>
+            <a:r>
+              <a:rPr lang="vi-VN" dirty="0"/>
+              <a:t>Điểm trước sử dụng thời gian và vận tốc để dự đoán trạng thái tiếp theo (xpre)</a:t>
+            </a:r>
+          </a:p>
+          <a:p>
+            <a:pPr marL="171450" indent="-171450">
+              <a:buFontTx/>
+              <a:buChar char="-"/>
+            </a:pPr>
+            <a:r>
+              <a:rPr lang="vi-VN" dirty="0"/>
+              <a:t>Giá trị ước tính (đầu ra) là tổng giá trị dự đoán trạng thái tiếp theo (xpre) và tích kalman gain với sai số đo lường với giá trị dự đoán (K.(z-xpre))</a:t>
+            </a:r>
           </a:p>
         </p:txBody>
       </p:sp>
@@ -2123,7 +2307,7 @@
           <a:p>
             <a:fld id="{AB2FC7A4-3D1B-482D-8C9D-7642A2CE3076}" type="slidenum">
               <a:rPr lang="en-US" smtClean="0"/>
-              <a:t>6</a:t>
+              <a:t>5</a:t>
             </a:fld>
             <a:endParaRPr lang="en-US"/>
           </a:p>
@@ -2132,7 +2316,7 @@
     </p:spTree>
     <p:extLst>
       <p:ext uri="{BB962C8B-B14F-4D97-AF65-F5344CB8AC3E}">
-        <p14:creationId xmlns:p14="http://schemas.microsoft.com/office/powerpoint/2010/main" val="2212256363"/>
+        <p14:creationId xmlns:p14="http://schemas.microsoft.com/office/powerpoint/2010/main" val="1874603968"/>
       </p:ext>
     </p:extLst>
   </p:cSld>
@@ -2211,7 +2395,7 @@
           <a:p>
             <a:fld id="{AB2FC7A4-3D1B-482D-8C9D-7642A2CE3076}" type="slidenum">
               <a:rPr lang="en-US" smtClean="0"/>
-              <a:t>7</a:t>
+              <a:t>6</a:t>
             </a:fld>
             <a:endParaRPr lang="en-US"/>
           </a:p>
@@ -2220,7 +2404,7 @@
     </p:spTree>
     <p:extLst>
       <p:ext uri="{BB962C8B-B14F-4D97-AF65-F5344CB8AC3E}">
-        <p14:creationId xmlns:p14="http://schemas.microsoft.com/office/powerpoint/2010/main" val="1399567781"/>
+        <p14:creationId xmlns:p14="http://schemas.microsoft.com/office/powerpoint/2010/main" val="3341979868"/>
       </p:ext>
     </p:extLst>
   </p:cSld>
@@ -2278,7 +2462,30 @@
               <a:buFontTx/>
               <a:buChar char="-"/>
             </a:pPr>
-            <a:endParaRPr lang="vi-VN" dirty="0"/>
+            <a:r>
+              <a:rPr lang="vi-VN" dirty="0"/>
+              <a:t>Thực hiện giữa 2 điểm với nhau</a:t>
+            </a:r>
+          </a:p>
+          <a:p>
+            <a:pPr marL="171450" indent="-171450">
+              <a:buFontTx/>
+              <a:buChar char="-"/>
+            </a:pPr>
+            <a:r>
+              <a:rPr lang="vi-VN" dirty="0"/>
+              <a:t>Điểm trước sử dụng thời gian và vận tốc để dự đoán trạng thái tiếp theo (xpre)</a:t>
+            </a:r>
+          </a:p>
+          <a:p>
+            <a:pPr marL="171450" indent="-171450">
+              <a:buFontTx/>
+              <a:buChar char="-"/>
+            </a:pPr>
+            <a:r>
+              <a:rPr lang="vi-VN" dirty="0"/>
+              <a:t>Giá trị ước tính (đầu ra) là tổng giá trị dự đoán trạng thái tiếp theo (xpre) và tích kalman gain với sai số đo lường với giá trị dự đoán (K.(z-xpre))</a:t>
+            </a:r>
           </a:p>
         </p:txBody>
       </p:sp>
@@ -2308,206 +2515,7 @@
     </p:spTree>
     <p:extLst>
       <p:ext uri="{BB962C8B-B14F-4D97-AF65-F5344CB8AC3E}">
-        <p14:creationId xmlns:p14="http://schemas.microsoft.com/office/powerpoint/2010/main" val="694839192"/>
-      </p:ext>
-    </p:extLst>
-  </p:cSld>
-  <p:clrMapOvr>
-    <a:masterClrMapping/>
-  </p:clrMapOvr>
-</p:notes>
-</file>
-
-<file path=ppt/notesSlides/notesSlide6.xml><?xml version="1.0" encoding="utf-8"?>
-<p:notes xmlns:a="http://schemas.openxmlformats.org/drawingml/2006/main" xmlns:r="http://schemas.openxmlformats.org/officeDocument/2006/relationships" xmlns:p="http://schemas.openxmlformats.org/presentationml/2006/main">
-  <p:cSld>
-    <p:spTree>
-      <p:nvGrpSpPr>
-        <p:cNvPr id="1" name=""/>
-        <p:cNvGrpSpPr/>
-        <p:nvPr/>
-      </p:nvGrpSpPr>
-      <p:grpSpPr>
-        <a:xfrm>
-          <a:off x="0" y="0"/>
-          <a:ext cx="0" cy="0"/>
-          <a:chOff x="0" y="0"/>
-          <a:chExt cx="0" cy="0"/>
-        </a:xfrm>
-      </p:grpSpPr>
-      <p:sp>
-        <p:nvSpPr>
-          <p:cNvPr id="2" name="Slide Image Placeholder 1"/>
-          <p:cNvSpPr>
-            <a:spLocks noGrp="1" noRot="1" noChangeAspect="1"/>
-          </p:cNvSpPr>
-          <p:nvPr>
-            <p:ph type="sldImg"/>
-          </p:nvPr>
-        </p:nvSpPr>
-        <p:spPr/>
-      </p:sp>
-      <p:sp>
-        <p:nvSpPr>
-          <p:cNvPr id="3" name="Notes Placeholder 2"/>
-          <p:cNvSpPr>
-            <a:spLocks noGrp="1"/>
-          </p:cNvSpPr>
-          <p:nvPr>
-            <p:ph type="body" idx="1"/>
-          </p:nvPr>
-        </p:nvSpPr>
-        <p:spPr/>
-        <p:txBody>
-          <a:bodyPr/>
-          <a:lstStyle/>
-          <a:p>
-            <a:pPr marL="171450" indent="-171450">
-              <a:buFontTx/>
-              <a:buChar char="-"/>
-            </a:pPr>
-            <a:endParaRPr lang="vi-VN" dirty="0"/>
-          </a:p>
-        </p:txBody>
-      </p:sp>
-      <p:sp>
-        <p:nvSpPr>
-          <p:cNvPr id="4" name="Slide Number Placeholder 3"/>
-          <p:cNvSpPr>
-            <a:spLocks noGrp="1"/>
-          </p:cNvSpPr>
-          <p:nvPr>
-            <p:ph type="sldNum" sz="quarter" idx="5"/>
-          </p:nvPr>
-        </p:nvSpPr>
-        <p:spPr/>
-        <p:txBody>
-          <a:bodyPr/>
-          <a:lstStyle/>
-          <a:p>
-            <a:fld id="{AB2FC7A4-3D1B-482D-8C9D-7642A2CE3076}" type="slidenum">
-              <a:rPr lang="en-US" smtClean="0"/>
-              <a:t>9</a:t>
-            </a:fld>
-            <a:endParaRPr lang="en-US"/>
-          </a:p>
-        </p:txBody>
-      </p:sp>
-    </p:spTree>
-    <p:extLst>
-      <p:ext uri="{BB962C8B-B14F-4D97-AF65-F5344CB8AC3E}">
-        <p14:creationId xmlns:p14="http://schemas.microsoft.com/office/powerpoint/2010/main" val="3341979868"/>
-      </p:ext>
-    </p:extLst>
-  </p:cSld>
-  <p:clrMapOvr>
-    <a:masterClrMapping/>
-  </p:clrMapOvr>
-</p:notes>
-</file>
-
-<file path=ppt/notesSlides/notesSlide7.xml><?xml version="1.0" encoding="utf-8"?>
-<p:notes xmlns:a="http://schemas.openxmlformats.org/drawingml/2006/main" xmlns:r="http://schemas.openxmlformats.org/officeDocument/2006/relationships" xmlns:p="http://schemas.openxmlformats.org/presentationml/2006/main">
-  <p:cSld>
-    <p:spTree>
-      <p:nvGrpSpPr>
-        <p:cNvPr id="1" name=""/>
-        <p:cNvGrpSpPr/>
-        <p:nvPr/>
-      </p:nvGrpSpPr>
-      <p:grpSpPr>
-        <a:xfrm>
-          <a:off x="0" y="0"/>
-          <a:ext cx="0" cy="0"/>
-          <a:chOff x="0" y="0"/>
-          <a:chExt cx="0" cy="0"/>
-        </a:xfrm>
-      </p:grpSpPr>
-      <p:sp>
-        <p:nvSpPr>
-          <p:cNvPr id="2" name="Slide Image Placeholder 1"/>
-          <p:cNvSpPr>
-            <a:spLocks noGrp="1" noRot="1" noChangeAspect="1"/>
-          </p:cNvSpPr>
-          <p:nvPr>
-            <p:ph type="sldImg"/>
-          </p:nvPr>
-        </p:nvSpPr>
-        <p:spPr/>
-      </p:sp>
-      <p:sp>
-        <p:nvSpPr>
-          <p:cNvPr id="3" name="Notes Placeholder 2"/>
-          <p:cNvSpPr>
-            <a:spLocks noGrp="1"/>
-          </p:cNvSpPr>
-          <p:nvPr>
-            <p:ph type="body" idx="1"/>
-          </p:nvPr>
-        </p:nvSpPr>
-        <p:spPr/>
-        <p:txBody>
-          <a:bodyPr/>
-          <a:lstStyle/>
-          <a:p>
-            <a:pPr marL="171450" indent="-171450">
-              <a:buFontTx/>
-              <a:buChar char="-"/>
-            </a:pPr>
-            <a:r>
-              <a:rPr lang="vi-VN" dirty="0"/>
-              <a:t>Thực hiện giữa 2 điểm với nhau</a:t>
-            </a:r>
-          </a:p>
-          <a:p>
-            <a:pPr marL="171450" indent="-171450">
-              <a:buFontTx/>
-              <a:buChar char="-"/>
-            </a:pPr>
-            <a:r>
-              <a:rPr lang="vi-VN" dirty="0"/>
-              <a:t>Điểm trước sử dụng thời gian và vận tốc để dự đoán trạng thái tiếp theo (xpre)</a:t>
-            </a:r>
-          </a:p>
-          <a:p>
-            <a:pPr marL="171450" indent="-171450">
-              <a:buFontTx/>
-              <a:buChar char="-"/>
-            </a:pPr>
-            <a:r>
-              <a:rPr lang="vi-VN" dirty="0"/>
-              <a:t>Giá trị ước tính (đầu ra) là tổng giá trị dự đoán trạng thái tiếp theo (xpre) và tích kalman gain với sai số đo lường với giá trị dự đoán (K.(z-xpre))</a:t>
-            </a:r>
-          </a:p>
-        </p:txBody>
-      </p:sp>
-      <p:sp>
-        <p:nvSpPr>
-          <p:cNvPr id="4" name="Slide Number Placeholder 3"/>
-          <p:cNvSpPr>
-            <a:spLocks noGrp="1"/>
-          </p:cNvSpPr>
-          <p:nvPr>
-            <p:ph type="sldNum" sz="quarter" idx="5"/>
-          </p:nvPr>
-        </p:nvSpPr>
-        <p:spPr/>
-        <p:txBody>
-          <a:bodyPr/>
-          <a:lstStyle/>
-          <a:p>
-            <a:fld id="{AB2FC7A4-3D1B-482D-8C9D-7642A2CE3076}" type="slidenum">
-              <a:rPr lang="en-US" smtClean="0"/>
-              <a:t>10</a:t>
-            </a:fld>
-            <a:endParaRPr lang="en-US"/>
-          </a:p>
-        </p:txBody>
-      </p:sp>
-    </p:spTree>
-    <p:extLst>
-      <p:ext uri="{BB962C8B-B14F-4D97-AF65-F5344CB8AC3E}">
-        <p14:creationId xmlns:p14="http://schemas.microsoft.com/office/powerpoint/2010/main" val="1874603968"/>
+        <p14:creationId xmlns:p14="http://schemas.microsoft.com/office/powerpoint/2010/main" val="1016900577"/>
       </p:ext>
     </p:extLst>
   </p:cSld>
@@ -2637,7 +2645,7 @@
             <a:fld id="{F70EAA40-3A53-4A3D-924A-D38F1059C7D5}" type="datetime1">
               <a:rPr lang="en-US" smtClean="0"/>
               <a:pPr/>
-              <a:t>6/6/2024</a:t>
+              <a:t>6/13/2024</a:t>
             </a:fld>
             <a:endParaRPr lang="en-US"/>
           </a:p>
@@ -2867,7 +2875,7 @@
             <a:fld id="{F70EAA40-3A53-4A3D-924A-D38F1059C7D5}" type="datetime1">
               <a:rPr lang="en-US" smtClean="0"/>
               <a:pPr/>
-              <a:t>6/6/2024</a:t>
+              <a:t>6/13/2024</a:t>
             </a:fld>
             <a:endParaRPr lang="en-US"/>
           </a:p>
@@ -3201,7 +3209,7 @@
             <a:fld id="{F70EAA40-3A53-4A3D-924A-D38F1059C7D5}" type="datetime1">
               <a:rPr lang="en-US" smtClean="0"/>
               <a:pPr/>
-              <a:t>6/6/2024</a:t>
+              <a:t>6/13/2024</a:t>
             </a:fld>
             <a:endParaRPr lang="en-US"/>
           </a:p>
@@ -3535,7 +3543,7 @@
             <a:fld id="{F70EAA40-3A53-4A3D-924A-D38F1059C7D5}" type="datetime1">
               <a:rPr lang="en-US" smtClean="0"/>
               <a:pPr/>
-              <a:t>6/6/2024</a:t>
+              <a:t>6/13/2024</a:t>
             </a:fld>
             <a:endParaRPr lang="en-US"/>
           </a:p>
@@ -4221,7 +4229,7 @@
             <a:fld id="{F70EAA40-3A53-4A3D-924A-D38F1059C7D5}" type="datetime1">
               <a:rPr lang="en-US" smtClean="0"/>
               <a:pPr/>
-              <a:t>6/6/2024</a:t>
+              <a:t>6/13/2024</a:t>
             </a:fld>
             <a:endParaRPr lang="en-US"/>
           </a:p>
@@ -4411,7 +4419,7 @@
             <a:fld id="{F70EAA40-3A53-4A3D-924A-D38F1059C7D5}" type="datetime1">
               <a:rPr lang="en-US" smtClean="0"/>
               <a:pPr/>
-              <a:t>6/6/2024</a:t>
+              <a:t>6/13/2024</a:t>
             </a:fld>
             <a:endParaRPr lang="en-US"/>
           </a:p>
@@ -4994,7 +5002,7 @@
             <a:fld id="{F70EAA40-3A53-4A3D-924A-D38F1059C7D5}" type="datetime1">
               <a:rPr lang="en-US" smtClean="0"/>
               <a:pPr/>
-              <a:t>6/6/2024</a:t>
+              <a:t>6/13/2024</a:t>
             </a:fld>
             <a:endParaRPr lang="en-US"/>
           </a:p>
@@ -5180,7 +5188,7 @@
             <a:fld id="{F70EAA40-3A53-4A3D-924A-D38F1059C7D5}" type="datetime1">
               <a:rPr lang="en-US" smtClean="0"/>
               <a:pPr/>
-              <a:t>6/6/2024</a:t>
+              <a:t>6/13/2024</a:t>
             </a:fld>
             <a:endParaRPr lang="en-US"/>
           </a:p>
@@ -5805,7 +5813,362 @@
 </p:sld>
 </file>
 
-<file path=ppt/slides/slide10.xml><?xml version="1.0" encoding="utf-8"?>
+<file path=ppt/slides/slide2.xml><?xml version="1.0" encoding="utf-8"?>
+<p:sld xmlns:a="http://schemas.openxmlformats.org/drawingml/2006/main" xmlns:r="http://schemas.openxmlformats.org/officeDocument/2006/relationships" xmlns:p="http://schemas.openxmlformats.org/presentationml/2006/main">
+  <p:cSld>
+    <p:spTree>
+      <p:nvGrpSpPr>
+        <p:cNvPr id="1" name=""/>
+        <p:cNvGrpSpPr/>
+        <p:nvPr/>
+      </p:nvGrpSpPr>
+      <p:grpSpPr>
+        <a:xfrm>
+          <a:off x="0" y="0"/>
+          <a:ext cx="0" cy="0"/>
+          <a:chOff x="0" y="0"/>
+          <a:chExt cx="0" cy="0"/>
+        </a:xfrm>
+      </p:grpSpPr>
+      <p:pic>
+        <p:nvPicPr>
+          <p:cNvPr id="10" name="Picture 3">
+            <a:extLst>
+              <a:ext uri="{FF2B5EF4-FFF2-40B4-BE49-F238E27FC236}">
+                <a16:creationId xmlns:a16="http://schemas.microsoft.com/office/drawing/2014/main" id="{67FB4AA9-E9AF-4CE0-A0DC-99D795289003}"/>
+              </a:ext>
+            </a:extLst>
+          </p:cNvPr>
+          <p:cNvPicPr>
+            <a:picLocks noChangeAspect="1"/>
+          </p:cNvPicPr>
+          <p:nvPr/>
+        </p:nvPicPr>
+        <p:blipFill>
+          <a:blip r:embed="rId2">
+            <a:extLst>
+              <a:ext uri="{28A0092B-C50C-407E-A947-70E740481C1C}">
+                <a14:useLocalDpi xmlns:a14="http://schemas.microsoft.com/office/drawing/2010/main" val="0"/>
+              </a:ext>
+            </a:extLst>
+          </a:blip>
+          <a:srcRect/>
+          <a:stretch/>
+        </p:blipFill>
+        <p:spPr>
+          <a:xfrm>
+            <a:off x="413012" y="398419"/>
+            <a:ext cx="2037225" cy="611594"/>
+          </a:xfrm>
+          <a:prstGeom prst="rect">
+            <a:avLst/>
+          </a:prstGeom>
+        </p:spPr>
+      </p:pic>
+      <p:sp>
+        <p:nvSpPr>
+          <p:cNvPr id="11" name="Title 6">
+            <a:extLst>
+              <a:ext uri="{FF2B5EF4-FFF2-40B4-BE49-F238E27FC236}">
+                <a16:creationId xmlns:a16="http://schemas.microsoft.com/office/drawing/2014/main" id="{FF8BDF70-CFA6-4031-86B7-31F910D8115D}"/>
+              </a:ext>
+            </a:extLst>
+          </p:cNvPr>
+          <p:cNvSpPr txBox="1">
+            <a:spLocks/>
+          </p:cNvSpPr>
+          <p:nvPr/>
+        </p:nvSpPr>
+        <p:spPr>
+          <a:xfrm>
+            <a:off x="413012" y="2421636"/>
+            <a:ext cx="7342482" cy="848792"/>
+          </a:xfrm>
+          <a:prstGeom prst="rect">
+            <a:avLst/>
+          </a:prstGeom>
+        </p:spPr>
+        <p:txBody>
+          <a:bodyPr/>
+          <a:lstStyle>
+            <a:lvl1pPr algn="l" defTabSz="914400" rtl="0" eaLnBrk="1" latinLnBrk="0" hangingPunct="1">
+              <a:lnSpc>
+                <a:spcPct val="90000"/>
+              </a:lnSpc>
+              <a:spcBef>
+                <a:spcPct val="0"/>
+              </a:spcBef>
+              <a:buNone/>
+              <a:defRPr sz="5400" b="1" kern="1200">
+                <a:solidFill>
+                  <a:srgbClr val="C00000"/>
+                </a:solidFill>
+                <a:latin typeface="Lato" panose="020F0502020204030203" pitchFamily="34" charset="0"/>
+                <a:ea typeface="Lato" panose="020F0502020204030203" pitchFamily="34" charset="0"/>
+                <a:cs typeface="Lato" panose="020F0502020204030203" pitchFamily="34" charset="0"/>
+              </a:defRPr>
+            </a:lvl1pPr>
+          </a:lstStyle>
+          <a:p>
+            <a:r>
+              <a:rPr lang="vi-VN" dirty="0"/>
+              <a:t>Thuật toánKalman Filter</a:t>
+            </a:r>
+            <a:endParaRPr lang="en-US" dirty="0"/>
+          </a:p>
+        </p:txBody>
+      </p:sp>
+      <p:sp>
+        <p:nvSpPr>
+          <p:cNvPr id="12" name="Title 6">
+            <a:extLst>
+              <a:ext uri="{FF2B5EF4-FFF2-40B4-BE49-F238E27FC236}">
+                <a16:creationId xmlns:a16="http://schemas.microsoft.com/office/drawing/2014/main" id="{A4ACF486-B7D8-4A5A-B633-83527A2F99E2}"/>
+              </a:ext>
+            </a:extLst>
+          </p:cNvPr>
+          <p:cNvSpPr txBox="1">
+            <a:spLocks/>
+          </p:cNvSpPr>
+          <p:nvPr/>
+        </p:nvSpPr>
+        <p:spPr>
+          <a:xfrm>
+            <a:off x="413012" y="4051717"/>
+            <a:ext cx="7342482" cy="848793"/>
+          </a:xfrm>
+          <a:prstGeom prst="rect">
+            <a:avLst/>
+          </a:prstGeom>
+        </p:spPr>
+        <p:txBody>
+          <a:bodyPr/>
+          <a:lstStyle>
+            <a:lvl1pPr algn="l" defTabSz="914400" rtl="0" eaLnBrk="1" latinLnBrk="0" hangingPunct="1">
+              <a:lnSpc>
+                <a:spcPct val="90000"/>
+              </a:lnSpc>
+              <a:spcBef>
+                <a:spcPct val="0"/>
+              </a:spcBef>
+              <a:buNone/>
+              <a:defRPr sz="5400" b="1" kern="1200">
+                <a:solidFill>
+                  <a:srgbClr val="C00000"/>
+                </a:solidFill>
+                <a:latin typeface="Lato" panose="020F0502020204030203" pitchFamily="34" charset="0"/>
+                <a:ea typeface="Lato" panose="020F0502020204030203" pitchFamily="34" charset="0"/>
+                <a:cs typeface="Lato" panose="020F0502020204030203" pitchFamily="34" charset="0"/>
+              </a:defRPr>
+            </a:lvl1pPr>
+          </a:lstStyle>
+          <a:p>
+            <a:r>
+              <a:rPr lang="vi-VN" sz="2800" b="0" dirty="0"/>
+              <a:t>Trình bày: Lê Thành Luân</a:t>
+            </a:r>
+            <a:endParaRPr lang="en-US" sz="2800" b="0" dirty="0"/>
+          </a:p>
+          <a:p>
+            <a:endParaRPr lang="en-US" sz="2800" b="0" dirty="0"/>
+          </a:p>
+          <a:p>
+            <a:endParaRPr lang="en-US" sz="2800" b="0" dirty="0"/>
+          </a:p>
+        </p:txBody>
+      </p:sp>
+    </p:spTree>
+    <p:extLst>
+      <p:ext uri="{BB962C8B-B14F-4D97-AF65-F5344CB8AC3E}">
+        <p14:creationId xmlns:p14="http://schemas.microsoft.com/office/powerpoint/2010/main" val="743172911"/>
+      </p:ext>
+    </p:extLst>
+  </p:cSld>
+  <p:clrMapOvr>
+    <a:masterClrMapping/>
+  </p:clrMapOvr>
+</p:sld>
+</file>
+
+<file path=ppt/slides/slide3.xml><?xml version="1.0" encoding="utf-8"?>
+<p:sld xmlns:a="http://schemas.openxmlformats.org/drawingml/2006/main" xmlns:r="http://schemas.openxmlformats.org/officeDocument/2006/relationships" xmlns:p="http://schemas.openxmlformats.org/presentationml/2006/main">
+  <p:cSld>
+    <p:spTree>
+      <p:nvGrpSpPr>
+        <p:cNvPr id="1" name=""/>
+        <p:cNvGrpSpPr/>
+        <p:nvPr/>
+      </p:nvGrpSpPr>
+      <p:grpSpPr>
+        <a:xfrm>
+          <a:off x="0" y="0"/>
+          <a:ext cx="0" cy="0"/>
+          <a:chOff x="0" y="0"/>
+          <a:chExt cx="0" cy="0"/>
+        </a:xfrm>
+      </p:grpSpPr>
+      <p:sp>
+        <p:nvSpPr>
+          <p:cNvPr id="2" name="Slide Number Placeholder 1">
+            <a:extLst>
+              <a:ext uri="{FF2B5EF4-FFF2-40B4-BE49-F238E27FC236}">
+                <a16:creationId xmlns:a16="http://schemas.microsoft.com/office/drawing/2014/main" id="{A7101F79-2CBF-4392-B538-B0B5700DB4C6}"/>
+              </a:ext>
+            </a:extLst>
+          </p:cNvPr>
+          <p:cNvSpPr>
+            <a:spLocks noGrp="1"/>
+          </p:cNvSpPr>
+          <p:nvPr>
+            <p:ph type="sldNum" sz="quarter" idx="12"/>
+          </p:nvPr>
+        </p:nvSpPr>
+        <p:spPr/>
+        <p:txBody>
+          <a:bodyPr/>
+          <a:lstStyle/>
+          <a:p>
+            <a:fld id="{9EA0BE3B-158A-4EDF-80DC-E394A0D1600F}" type="slidenum">
+              <a:rPr lang="en-US" smtClean="0"/>
+              <a:pPr/>
+              <a:t>3</a:t>
+            </a:fld>
+            <a:endParaRPr lang="en-US" dirty="0"/>
+          </a:p>
+        </p:txBody>
+      </p:sp>
+      <p:sp>
+        <p:nvSpPr>
+          <p:cNvPr id="3" name="Title 2">
+            <a:extLst>
+              <a:ext uri="{FF2B5EF4-FFF2-40B4-BE49-F238E27FC236}">
+                <a16:creationId xmlns:a16="http://schemas.microsoft.com/office/drawing/2014/main" id="{9EF27CAA-32BA-4E6B-B8C0-1A481E08E81D}"/>
+              </a:ext>
+            </a:extLst>
+          </p:cNvPr>
+          <p:cNvSpPr>
+            <a:spLocks noGrp="1"/>
+          </p:cNvSpPr>
+          <p:nvPr>
+            <p:ph type="title"/>
+          </p:nvPr>
+        </p:nvSpPr>
+        <p:spPr/>
+        <p:txBody>
+          <a:bodyPr/>
+          <a:lstStyle/>
+          <a:p>
+            <a:r>
+              <a:rPr lang="vi-VN" dirty="0"/>
+              <a:t>Nội dụng</a:t>
+            </a:r>
+            <a:endParaRPr lang="en-US" dirty="0"/>
+          </a:p>
+        </p:txBody>
+      </p:sp>
+    </p:spTree>
+    <p:extLst>
+      <p:ext uri="{BB962C8B-B14F-4D97-AF65-F5344CB8AC3E}">
+        <p14:creationId xmlns:p14="http://schemas.microsoft.com/office/powerpoint/2010/main" val="292364014"/>
+      </p:ext>
+    </p:extLst>
+  </p:cSld>
+  <p:clrMapOvr>
+    <a:masterClrMapping/>
+  </p:clrMapOvr>
+</p:sld>
+</file>
+
+<file path=ppt/slides/slide4.xml><?xml version="1.0" encoding="utf-8"?>
+<p:sld xmlns:a="http://schemas.openxmlformats.org/drawingml/2006/main" xmlns:r="http://schemas.openxmlformats.org/officeDocument/2006/relationships" xmlns:p="http://schemas.openxmlformats.org/presentationml/2006/main">
+  <p:cSld>
+    <p:spTree>
+      <p:nvGrpSpPr>
+        <p:cNvPr id="1" name=""/>
+        <p:cNvGrpSpPr/>
+        <p:nvPr/>
+      </p:nvGrpSpPr>
+      <p:grpSpPr>
+        <a:xfrm>
+          <a:off x="0" y="0"/>
+          <a:ext cx="0" cy="0"/>
+          <a:chOff x="0" y="0"/>
+          <a:chExt cx="0" cy="0"/>
+        </a:xfrm>
+      </p:grpSpPr>
+      <p:sp>
+        <p:nvSpPr>
+          <p:cNvPr id="3" name="Title 2">
+            <a:extLst>
+              <a:ext uri="{FF2B5EF4-FFF2-40B4-BE49-F238E27FC236}">
+                <a16:creationId xmlns:a16="http://schemas.microsoft.com/office/drawing/2014/main" id="{F39C6F49-1887-4BE4-A583-FB79B8A22935}"/>
+              </a:ext>
+            </a:extLst>
+          </p:cNvPr>
+          <p:cNvSpPr>
+            <a:spLocks noGrp="1"/>
+          </p:cNvSpPr>
+          <p:nvPr>
+            <p:ph type="title"/>
+          </p:nvPr>
+        </p:nvSpPr>
+        <p:spPr/>
+        <p:txBody>
+          <a:bodyPr/>
+          <a:lstStyle/>
+          <a:p>
+            <a:r>
+              <a:rPr lang="vi-VN" dirty="0"/>
+              <a:t>II. Mô tả thuật toán</a:t>
+            </a:r>
+            <a:endParaRPr lang="en-US" dirty="0"/>
+          </a:p>
+        </p:txBody>
+      </p:sp>
+      <p:pic>
+        <p:nvPicPr>
+          <p:cNvPr id="4" name="Picture 3">
+            <a:extLst>
+              <a:ext uri="{FF2B5EF4-FFF2-40B4-BE49-F238E27FC236}">
+                <a16:creationId xmlns:a16="http://schemas.microsoft.com/office/drawing/2014/main" id="{69868A84-B7AD-EE69-F59C-38CE5B237FF1}"/>
+              </a:ext>
+            </a:extLst>
+          </p:cNvPr>
+          <p:cNvPicPr>
+            <a:picLocks noChangeAspect="1"/>
+          </p:cNvPicPr>
+          <p:nvPr/>
+        </p:nvPicPr>
+        <p:blipFill>
+          <a:blip r:embed="rId3"/>
+          <a:stretch>
+            <a:fillRect/>
+          </a:stretch>
+        </p:blipFill>
+        <p:spPr>
+          <a:xfrm>
+            <a:off x="2070747" y="1728148"/>
+            <a:ext cx="5002505" cy="3401704"/>
+          </a:xfrm>
+          <a:prstGeom prst="rect">
+            <a:avLst/>
+          </a:prstGeom>
+        </p:spPr>
+      </p:pic>
+    </p:spTree>
+    <p:extLst>
+      <p:ext uri="{BB962C8B-B14F-4D97-AF65-F5344CB8AC3E}">
+        <p14:creationId xmlns:p14="http://schemas.microsoft.com/office/powerpoint/2010/main" val="838677936"/>
+      </p:ext>
+    </p:extLst>
+  </p:cSld>
+  <p:clrMapOvr>
+    <a:masterClrMapping/>
+  </p:clrMapOvr>
+</p:sld>
+</file>
+
+<file path=ppt/slides/slide5.xml><?xml version="1.0" encoding="utf-8"?>
 <p:sld xmlns:a="http://schemas.openxmlformats.org/drawingml/2006/main" xmlns:r="http://schemas.openxmlformats.org/officeDocument/2006/relationships" xmlns:p="http://schemas.openxmlformats.org/presentationml/2006/main">
   <p:cSld>
     <p:spTree>
@@ -5846,7 +6209,7 @@
             <a:fld id="{9EA0BE3B-158A-4EDF-80DC-E394A0D1600F}" type="slidenum">
               <a:rPr lang="en-US" smtClean="0"/>
               <a:pPr/>
-              <a:t>10</a:t>
+              <a:t>5</a:t>
             </a:fld>
             <a:endParaRPr lang="en-US" dirty="0"/>
           </a:p>
@@ -9684,7 +10047,459 @@
 </p:sld>
 </file>
 
-<file path=ppt/slides/slide11.xml><?xml version="1.0" encoding="utf-8"?>
+<file path=ppt/slides/slide6.xml><?xml version="1.0" encoding="utf-8"?>
+<p:sld xmlns:a="http://schemas.openxmlformats.org/drawingml/2006/main" xmlns:r="http://schemas.openxmlformats.org/officeDocument/2006/relationships" xmlns:p="http://schemas.openxmlformats.org/presentationml/2006/main">
+  <p:cSld>
+    <p:spTree>
+      <p:nvGrpSpPr>
+        <p:cNvPr id="1" name=""/>
+        <p:cNvGrpSpPr/>
+        <p:nvPr/>
+      </p:nvGrpSpPr>
+      <p:grpSpPr>
+        <a:xfrm>
+          <a:off x="0" y="0"/>
+          <a:ext cx="0" cy="0"/>
+          <a:chOff x="0" y="0"/>
+          <a:chExt cx="0" cy="0"/>
+        </a:xfrm>
+      </p:grpSpPr>
+      <p:sp>
+        <p:nvSpPr>
+          <p:cNvPr id="3" name="Title 2">
+            <a:extLst>
+              <a:ext uri="{FF2B5EF4-FFF2-40B4-BE49-F238E27FC236}">
+                <a16:creationId xmlns:a16="http://schemas.microsoft.com/office/drawing/2014/main" id="{F39C6F49-1887-4BE4-A583-FB79B8A22935}"/>
+              </a:ext>
+            </a:extLst>
+          </p:cNvPr>
+          <p:cNvSpPr>
+            <a:spLocks noGrp="1"/>
+          </p:cNvSpPr>
+          <p:nvPr>
+            <p:ph type="title"/>
+          </p:nvPr>
+        </p:nvSpPr>
+        <p:spPr/>
+        <p:txBody>
+          <a:bodyPr/>
+          <a:lstStyle/>
+          <a:p>
+            <a:r>
+              <a:rPr lang="vi-VN" dirty="0"/>
+              <a:t>II. Mô tả thuật toán</a:t>
+            </a:r>
+            <a:endParaRPr lang="en-US" dirty="0"/>
+          </a:p>
+        </p:txBody>
+      </p:sp>
+      <p:pic>
+        <p:nvPicPr>
+          <p:cNvPr id="6" name="Picture 5">
+            <a:extLst>
+              <a:ext uri="{FF2B5EF4-FFF2-40B4-BE49-F238E27FC236}">
+                <a16:creationId xmlns:a16="http://schemas.microsoft.com/office/drawing/2014/main" id="{4B3B9030-7454-78FE-FEDD-EC685B1751AC}"/>
+              </a:ext>
+            </a:extLst>
+          </p:cNvPr>
+          <p:cNvPicPr>
+            <a:picLocks noChangeAspect="1"/>
+          </p:cNvPicPr>
+          <p:nvPr/>
+        </p:nvPicPr>
+        <p:blipFill>
+          <a:blip r:embed="rId3"/>
+          <a:stretch>
+            <a:fillRect/>
+          </a:stretch>
+        </p:blipFill>
+        <p:spPr>
+          <a:xfrm>
+            <a:off x="441160" y="1069100"/>
+            <a:ext cx="8261680" cy="4719799"/>
+          </a:xfrm>
+          <a:prstGeom prst="rect">
+            <a:avLst/>
+          </a:prstGeom>
+        </p:spPr>
+      </p:pic>
+    </p:spTree>
+    <p:extLst>
+      <p:ext uri="{BB962C8B-B14F-4D97-AF65-F5344CB8AC3E}">
+        <p14:creationId xmlns:p14="http://schemas.microsoft.com/office/powerpoint/2010/main" val="182343462"/>
+      </p:ext>
+    </p:extLst>
+  </p:cSld>
+  <p:clrMapOvr>
+    <a:masterClrMapping/>
+  </p:clrMapOvr>
+</p:sld>
+</file>
+
+<file path=ppt/slides/slide7.xml><?xml version="1.0" encoding="utf-8"?>
+<p:sld xmlns:a="http://schemas.openxmlformats.org/drawingml/2006/main" xmlns:r="http://schemas.openxmlformats.org/officeDocument/2006/relationships" xmlns:p="http://schemas.openxmlformats.org/presentationml/2006/main">
+  <p:cSld>
+    <p:spTree>
+      <p:nvGrpSpPr>
+        <p:cNvPr id="1" name=""/>
+        <p:cNvGrpSpPr/>
+        <p:nvPr/>
+      </p:nvGrpSpPr>
+      <p:grpSpPr>
+        <a:xfrm>
+          <a:off x="0" y="0"/>
+          <a:ext cx="0" cy="0"/>
+          <a:chOff x="0" y="0"/>
+          <a:chExt cx="0" cy="0"/>
+        </a:xfrm>
+      </p:grpSpPr>
+      <p:sp>
+        <p:nvSpPr>
+          <p:cNvPr id="2" name="Slide Number Placeholder 1">
+            <a:extLst>
+              <a:ext uri="{FF2B5EF4-FFF2-40B4-BE49-F238E27FC236}">
+                <a16:creationId xmlns:a16="http://schemas.microsoft.com/office/drawing/2014/main" id="{E029FEBE-7FCA-F3B5-84D7-CEAB89522DBB}"/>
+              </a:ext>
+            </a:extLst>
+          </p:cNvPr>
+          <p:cNvSpPr>
+            <a:spLocks noGrp="1"/>
+          </p:cNvSpPr>
+          <p:nvPr>
+            <p:ph type="sldNum" sz="quarter" idx="12"/>
+          </p:nvPr>
+        </p:nvSpPr>
+        <p:spPr/>
+        <p:txBody>
+          <a:bodyPr/>
+          <a:lstStyle/>
+          <a:p>
+            <a:fld id="{9EA0BE3B-158A-4EDF-80DC-E394A0D1600F}" type="slidenum">
+              <a:rPr lang="en-US" smtClean="0"/>
+              <a:pPr/>
+              <a:t>7</a:t>
+            </a:fld>
+            <a:endParaRPr lang="en-US" dirty="0"/>
+          </a:p>
+        </p:txBody>
+      </p:sp>
+      <p:sp>
+        <p:nvSpPr>
+          <p:cNvPr id="3" name="Title 2">
+            <a:extLst>
+              <a:ext uri="{FF2B5EF4-FFF2-40B4-BE49-F238E27FC236}">
+                <a16:creationId xmlns:a16="http://schemas.microsoft.com/office/drawing/2014/main" id="{9ADD062A-1BFF-DAE3-9345-6EA3485F7F2C}"/>
+              </a:ext>
+            </a:extLst>
+          </p:cNvPr>
+          <p:cNvSpPr>
+            <a:spLocks noGrp="1"/>
+          </p:cNvSpPr>
+          <p:nvPr>
+            <p:ph type="title"/>
+          </p:nvPr>
+        </p:nvSpPr>
+        <p:spPr/>
+        <p:txBody>
+          <a:bodyPr/>
+          <a:lstStyle/>
+          <a:p>
+            <a:r>
+              <a:rPr lang="vi-VN" dirty="0"/>
+              <a:t>MÔ TẢ THUẬT TOÁN</a:t>
+            </a:r>
+            <a:endParaRPr lang="en-US" dirty="0"/>
+          </a:p>
+        </p:txBody>
+      </p:sp>
+      <p:pic>
+        <p:nvPicPr>
+          <p:cNvPr id="5" name="Picture 4" descr="A diagram of a process&#10;&#10;Description automatically generated">
+            <a:extLst>
+              <a:ext uri="{FF2B5EF4-FFF2-40B4-BE49-F238E27FC236}">
+                <a16:creationId xmlns:a16="http://schemas.microsoft.com/office/drawing/2014/main" id="{FFEA6A8A-967F-8088-7309-55466A5A0DE6}"/>
+              </a:ext>
+            </a:extLst>
+          </p:cNvPr>
+          <p:cNvPicPr>
+            <a:picLocks noChangeAspect="1"/>
+          </p:cNvPicPr>
+          <p:nvPr/>
+        </p:nvPicPr>
+        <p:blipFill>
+          <a:blip r:embed="rId2"/>
+          <a:stretch>
+            <a:fillRect/>
+          </a:stretch>
+        </p:blipFill>
+        <p:spPr>
+          <a:xfrm>
+            <a:off x="963834" y="919812"/>
+            <a:ext cx="7216331" cy="5262853"/>
+          </a:xfrm>
+          <a:prstGeom prst="rect">
+            <a:avLst/>
+          </a:prstGeom>
+        </p:spPr>
+      </p:pic>
+    </p:spTree>
+    <p:extLst>
+      <p:ext uri="{BB962C8B-B14F-4D97-AF65-F5344CB8AC3E}">
+        <p14:creationId xmlns:p14="http://schemas.microsoft.com/office/powerpoint/2010/main" val="3709635301"/>
+      </p:ext>
+    </p:extLst>
+  </p:cSld>
+  <p:clrMapOvr>
+    <a:masterClrMapping/>
+  </p:clrMapOvr>
+</p:sld>
+</file>
+
+<file path=ppt/slides/slide8.xml><?xml version="1.0" encoding="utf-8"?>
+<p:sld xmlns:a="http://schemas.openxmlformats.org/drawingml/2006/main" xmlns:r="http://schemas.openxmlformats.org/officeDocument/2006/relationships" xmlns:p="http://schemas.openxmlformats.org/presentationml/2006/main">
+  <p:cSld>
+    <p:spTree>
+      <p:nvGrpSpPr>
+        <p:cNvPr id="1" name=""/>
+        <p:cNvGrpSpPr/>
+        <p:nvPr/>
+      </p:nvGrpSpPr>
+      <p:grpSpPr>
+        <a:xfrm>
+          <a:off x="0" y="0"/>
+          <a:ext cx="0" cy="0"/>
+          <a:chOff x="0" y="0"/>
+          <a:chExt cx="0" cy="0"/>
+        </a:xfrm>
+      </p:grpSpPr>
+      <p:sp>
+        <p:nvSpPr>
+          <p:cNvPr id="2" name="Slide Number Placeholder 1">
+            <a:extLst>
+              <a:ext uri="{FF2B5EF4-FFF2-40B4-BE49-F238E27FC236}">
+                <a16:creationId xmlns:a16="http://schemas.microsoft.com/office/drawing/2014/main" id="{9E9CAB07-B0CD-4712-9734-2D3CBC72598C}"/>
+              </a:ext>
+            </a:extLst>
+          </p:cNvPr>
+          <p:cNvSpPr>
+            <a:spLocks noGrp="1"/>
+          </p:cNvSpPr>
+          <p:nvPr>
+            <p:ph type="sldNum" sz="quarter" idx="12"/>
+          </p:nvPr>
+        </p:nvSpPr>
+        <p:spPr/>
+        <p:txBody>
+          <a:bodyPr/>
+          <a:lstStyle/>
+          <a:p>
+            <a:fld id="{9EA0BE3B-158A-4EDF-80DC-E394A0D1600F}" type="slidenum">
+              <a:rPr lang="en-US" smtClean="0"/>
+              <a:pPr/>
+              <a:t>8</a:t>
+            </a:fld>
+            <a:endParaRPr lang="en-US" dirty="0"/>
+          </a:p>
+        </p:txBody>
+      </p:sp>
+      <p:sp>
+        <p:nvSpPr>
+          <p:cNvPr id="3" name="Title 2">
+            <a:extLst>
+              <a:ext uri="{FF2B5EF4-FFF2-40B4-BE49-F238E27FC236}">
+                <a16:creationId xmlns:a16="http://schemas.microsoft.com/office/drawing/2014/main" id="{F39C6F49-1887-4BE4-A583-FB79B8A22935}"/>
+              </a:ext>
+            </a:extLst>
+          </p:cNvPr>
+          <p:cNvSpPr>
+            <a:spLocks noGrp="1"/>
+          </p:cNvSpPr>
+          <p:nvPr>
+            <p:ph type="title"/>
+          </p:nvPr>
+        </p:nvSpPr>
+        <p:spPr/>
+        <p:txBody>
+          <a:bodyPr/>
+          <a:lstStyle/>
+          <a:p>
+            <a:r>
+              <a:rPr lang="vi-VN" dirty="0"/>
+              <a:t>I. Xác định yêu cầu</a:t>
+            </a:r>
+            <a:endParaRPr lang="en-US" dirty="0"/>
+          </a:p>
+        </p:txBody>
+      </p:sp>
+      <p:sp>
+        <p:nvSpPr>
+          <p:cNvPr id="4" name="Text Placeholder 3">
+            <a:extLst>
+              <a:ext uri="{FF2B5EF4-FFF2-40B4-BE49-F238E27FC236}">
+                <a16:creationId xmlns:a16="http://schemas.microsoft.com/office/drawing/2014/main" id="{BC311219-8684-45FC-A126-E067924AC7F7}"/>
+              </a:ext>
+            </a:extLst>
+          </p:cNvPr>
+          <p:cNvSpPr>
+            <a:spLocks noGrp="1"/>
+          </p:cNvSpPr>
+          <p:nvPr>
+            <p:ph type="body" sz="quarter" idx="13"/>
+          </p:nvPr>
+        </p:nvSpPr>
+        <p:spPr>
+          <a:xfrm>
+            <a:off x="770842" y="3354425"/>
+            <a:ext cx="8674100" cy="5132832"/>
+          </a:xfrm>
+        </p:spPr>
+        <p:txBody>
+          <a:bodyPr/>
+          <a:lstStyle/>
+          <a:p>
+            <a:r>
+              <a:rPr lang="vi-VN" sz="2000" dirty="0"/>
+              <a:t>Đầu vào: </a:t>
+            </a:r>
+            <a:r>
+              <a:rPr lang="en-US" sz="2000" dirty="0" err="1"/>
+              <a:t>x_wls</a:t>
+            </a:r>
+            <a:r>
+              <a:rPr lang="en-US" sz="2000" dirty="0"/>
+              <a:t>, </a:t>
+            </a:r>
+            <a:r>
+              <a:rPr lang="en-US" sz="2000" dirty="0" err="1"/>
+              <a:t>v_wls</a:t>
+            </a:r>
+            <a:r>
+              <a:rPr lang="en-US" sz="2000" dirty="0"/>
+              <a:t>, </a:t>
+            </a:r>
+            <a:r>
+              <a:rPr lang="en-US" sz="2000" dirty="0" err="1"/>
+              <a:t>cov_x</a:t>
+            </a:r>
+            <a:r>
+              <a:rPr lang="en-US" sz="2000" dirty="0"/>
+              <a:t>, </a:t>
+            </a:r>
+            <a:r>
+              <a:rPr lang="en-US" sz="2000" dirty="0" err="1"/>
+              <a:t>cov_v</a:t>
+            </a:r>
+            <a:endParaRPr lang="vi-VN" sz="2000" dirty="0"/>
+          </a:p>
+          <a:p>
+            <a:pPr marL="0" indent="0">
+              <a:buNone/>
+            </a:pPr>
+            <a:r>
+              <a:rPr lang="vi-VN" sz="2000" dirty="0"/>
+              <a:t>	</a:t>
+            </a:r>
+            <a:r>
+              <a:rPr lang="en-US" sz="2000" dirty="0"/>
+              <a:t> </a:t>
+            </a:r>
+            <a:r>
+              <a:rPr lang="en-US" sz="2000" dirty="0" err="1"/>
+              <a:t>x_wls</a:t>
+            </a:r>
+            <a:r>
+              <a:rPr lang="vi-VN" sz="2000" dirty="0"/>
+              <a:t> gồm tọa độ x,y,z</a:t>
+            </a:r>
+          </a:p>
+          <a:p>
+            <a:pPr marL="0" indent="0">
+              <a:buNone/>
+            </a:pPr>
+            <a:r>
+              <a:rPr lang="vi-VN" sz="2000" dirty="0"/>
+              <a:t>	 v_wls gồm vận tốc v_x, v_y, v_z</a:t>
+            </a:r>
+          </a:p>
+          <a:p>
+            <a:pPr marL="0" indent="0">
+              <a:buNone/>
+            </a:pPr>
+            <a:r>
+              <a:rPr lang="vi-VN" sz="2000" dirty="0"/>
+              <a:t>	 cov_x ma trận hiệp phương sai của tọa độ</a:t>
+            </a:r>
+          </a:p>
+          <a:p>
+            <a:pPr marL="0" indent="0">
+              <a:buNone/>
+            </a:pPr>
+            <a:r>
+              <a:rPr lang="vi-VN" sz="2000" dirty="0"/>
+              <a:t>	 cov_v ma trận hiệp phương sai của vận tốc </a:t>
+            </a:r>
+          </a:p>
+          <a:p>
+            <a:r>
+              <a:rPr lang="vi-VN" sz="2000" dirty="0"/>
+              <a:t>Giá trị đầu ra: x_kf</a:t>
+            </a:r>
+          </a:p>
+          <a:p>
+            <a:pPr marL="0" indent="0">
+              <a:buNone/>
+            </a:pPr>
+            <a:r>
+              <a:rPr lang="vi-VN" sz="2000" dirty="0"/>
+              <a:t>	x_kf gồm các tọa độ x_kf, y_kf, z_kf</a:t>
+            </a:r>
+          </a:p>
+        </p:txBody>
+      </p:sp>
+      <p:pic>
+        <p:nvPicPr>
+          <p:cNvPr id="8" name="Picture 7">
+            <a:extLst>
+              <a:ext uri="{FF2B5EF4-FFF2-40B4-BE49-F238E27FC236}">
+                <a16:creationId xmlns:a16="http://schemas.microsoft.com/office/drawing/2014/main" id="{B1BDDB87-B0A9-1BE0-E994-B7A1D9C8F54E}"/>
+              </a:ext>
+            </a:extLst>
+          </p:cNvPr>
+          <p:cNvPicPr>
+            <a:picLocks noChangeAspect="1"/>
+          </p:cNvPicPr>
+          <p:nvPr/>
+        </p:nvPicPr>
+        <p:blipFill>
+          <a:blip r:embed="rId3"/>
+          <a:stretch>
+            <a:fillRect/>
+          </a:stretch>
+        </p:blipFill>
+        <p:spPr>
+          <a:xfrm>
+            <a:off x="560660" y="1150227"/>
+            <a:ext cx="7451909" cy="1731868"/>
+          </a:xfrm>
+          <a:prstGeom prst="rect">
+            <a:avLst/>
+          </a:prstGeom>
+        </p:spPr>
+      </p:pic>
+    </p:spTree>
+    <p:extLst>
+      <p:ext uri="{BB962C8B-B14F-4D97-AF65-F5344CB8AC3E}">
+        <p14:creationId xmlns:p14="http://schemas.microsoft.com/office/powerpoint/2010/main" val="2751358436"/>
+      </p:ext>
+    </p:extLst>
+  </p:cSld>
+  <p:clrMapOvr>
+    <a:masterClrMapping/>
+  </p:clrMapOvr>
+</p:sld>
+</file>
+
+<file path=ppt/slides/slide9.xml><?xml version="1.0" encoding="utf-8"?>
 <p:sld xmlns:a="http://schemas.openxmlformats.org/drawingml/2006/main" xmlns:r="http://schemas.openxmlformats.org/officeDocument/2006/relationships" xmlns:p="http://schemas.openxmlformats.org/presentationml/2006/main">
   <p:cSld>
     <p:spTree>
@@ -9725,7 +10540,7 @@
             <a:fld id="{9EA0BE3B-158A-4EDF-80DC-E394A0D1600F}" type="slidenum">
               <a:rPr lang="en-US" smtClean="0"/>
               <a:pPr/>
-              <a:t>11</a:t>
+              <a:t>9</a:t>
             </a:fld>
             <a:endParaRPr lang="en-US" dirty="0"/>
           </a:p>
@@ -9787,967 +10602,6 @@
     <p:extLst>
       <p:ext uri="{BB962C8B-B14F-4D97-AF65-F5344CB8AC3E}">
         <p14:creationId xmlns:p14="http://schemas.microsoft.com/office/powerpoint/2010/main" val="2830535683"/>
-      </p:ext>
-    </p:extLst>
-  </p:cSld>
-  <p:clrMapOvr>
-    <a:masterClrMapping/>
-  </p:clrMapOvr>
-</p:sld>
-</file>
-
-<file path=ppt/slides/slide2.xml><?xml version="1.0" encoding="utf-8"?>
-<p:sld xmlns:a="http://schemas.openxmlformats.org/drawingml/2006/main" xmlns:r="http://schemas.openxmlformats.org/officeDocument/2006/relationships" xmlns:p="http://schemas.openxmlformats.org/presentationml/2006/main">
-  <p:cSld>
-    <p:spTree>
-      <p:nvGrpSpPr>
-        <p:cNvPr id="1" name=""/>
-        <p:cNvGrpSpPr/>
-        <p:nvPr/>
-      </p:nvGrpSpPr>
-      <p:grpSpPr>
-        <a:xfrm>
-          <a:off x="0" y="0"/>
-          <a:ext cx="0" cy="0"/>
-          <a:chOff x="0" y="0"/>
-          <a:chExt cx="0" cy="0"/>
-        </a:xfrm>
-      </p:grpSpPr>
-      <p:pic>
-        <p:nvPicPr>
-          <p:cNvPr id="10" name="Picture 3">
-            <a:extLst>
-              <a:ext uri="{FF2B5EF4-FFF2-40B4-BE49-F238E27FC236}">
-                <a16:creationId xmlns:a16="http://schemas.microsoft.com/office/drawing/2014/main" id="{67FB4AA9-E9AF-4CE0-A0DC-99D795289003}"/>
-              </a:ext>
-            </a:extLst>
-          </p:cNvPr>
-          <p:cNvPicPr>
-            <a:picLocks noChangeAspect="1"/>
-          </p:cNvPicPr>
-          <p:nvPr/>
-        </p:nvPicPr>
-        <p:blipFill>
-          <a:blip r:embed="rId2">
-            <a:extLst>
-              <a:ext uri="{28A0092B-C50C-407E-A947-70E740481C1C}">
-                <a14:useLocalDpi xmlns:a14="http://schemas.microsoft.com/office/drawing/2010/main" val="0"/>
-              </a:ext>
-            </a:extLst>
-          </a:blip>
-          <a:srcRect/>
-          <a:stretch/>
-        </p:blipFill>
-        <p:spPr>
-          <a:xfrm>
-            <a:off x="413012" y="398419"/>
-            <a:ext cx="2037225" cy="611594"/>
-          </a:xfrm>
-          <a:prstGeom prst="rect">
-            <a:avLst/>
-          </a:prstGeom>
-        </p:spPr>
-      </p:pic>
-      <p:sp>
-        <p:nvSpPr>
-          <p:cNvPr id="11" name="Title 6">
-            <a:extLst>
-              <a:ext uri="{FF2B5EF4-FFF2-40B4-BE49-F238E27FC236}">
-                <a16:creationId xmlns:a16="http://schemas.microsoft.com/office/drawing/2014/main" id="{FF8BDF70-CFA6-4031-86B7-31F910D8115D}"/>
-              </a:ext>
-            </a:extLst>
-          </p:cNvPr>
-          <p:cNvSpPr txBox="1">
-            <a:spLocks/>
-          </p:cNvSpPr>
-          <p:nvPr/>
-        </p:nvSpPr>
-        <p:spPr>
-          <a:xfrm>
-            <a:off x="413012" y="2421636"/>
-            <a:ext cx="7342482" cy="848792"/>
-          </a:xfrm>
-          <a:prstGeom prst="rect">
-            <a:avLst/>
-          </a:prstGeom>
-        </p:spPr>
-        <p:txBody>
-          <a:bodyPr/>
-          <a:lstStyle>
-            <a:lvl1pPr algn="l" defTabSz="914400" rtl="0" eaLnBrk="1" latinLnBrk="0" hangingPunct="1">
-              <a:lnSpc>
-                <a:spcPct val="90000"/>
-              </a:lnSpc>
-              <a:spcBef>
-                <a:spcPct val="0"/>
-              </a:spcBef>
-              <a:buNone/>
-              <a:defRPr sz="5400" b="1" kern="1200">
-                <a:solidFill>
-                  <a:srgbClr val="C00000"/>
-                </a:solidFill>
-                <a:latin typeface="Lato" panose="020F0502020204030203" pitchFamily="34" charset="0"/>
-                <a:ea typeface="Lato" panose="020F0502020204030203" pitchFamily="34" charset="0"/>
-                <a:cs typeface="Lato" panose="020F0502020204030203" pitchFamily="34" charset="0"/>
-              </a:defRPr>
-            </a:lvl1pPr>
-          </a:lstStyle>
-          <a:p>
-            <a:r>
-              <a:rPr lang="vi-VN" dirty="0"/>
-              <a:t>Thuật toánKalman Filter</a:t>
-            </a:r>
-            <a:endParaRPr lang="en-US" dirty="0"/>
-          </a:p>
-        </p:txBody>
-      </p:sp>
-      <p:sp>
-        <p:nvSpPr>
-          <p:cNvPr id="12" name="Title 6">
-            <a:extLst>
-              <a:ext uri="{FF2B5EF4-FFF2-40B4-BE49-F238E27FC236}">
-                <a16:creationId xmlns:a16="http://schemas.microsoft.com/office/drawing/2014/main" id="{A4ACF486-B7D8-4A5A-B633-83527A2F99E2}"/>
-              </a:ext>
-            </a:extLst>
-          </p:cNvPr>
-          <p:cNvSpPr txBox="1">
-            <a:spLocks/>
-          </p:cNvSpPr>
-          <p:nvPr/>
-        </p:nvSpPr>
-        <p:spPr>
-          <a:xfrm>
-            <a:off x="413012" y="4051717"/>
-            <a:ext cx="7342482" cy="848793"/>
-          </a:xfrm>
-          <a:prstGeom prst="rect">
-            <a:avLst/>
-          </a:prstGeom>
-        </p:spPr>
-        <p:txBody>
-          <a:bodyPr/>
-          <a:lstStyle>
-            <a:lvl1pPr algn="l" defTabSz="914400" rtl="0" eaLnBrk="1" latinLnBrk="0" hangingPunct="1">
-              <a:lnSpc>
-                <a:spcPct val="90000"/>
-              </a:lnSpc>
-              <a:spcBef>
-                <a:spcPct val="0"/>
-              </a:spcBef>
-              <a:buNone/>
-              <a:defRPr sz="5400" b="1" kern="1200">
-                <a:solidFill>
-                  <a:srgbClr val="C00000"/>
-                </a:solidFill>
-                <a:latin typeface="Lato" panose="020F0502020204030203" pitchFamily="34" charset="0"/>
-                <a:ea typeface="Lato" panose="020F0502020204030203" pitchFamily="34" charset="0"/>
-                <a:cs typeface="Lato" panose="020F0502020204030203" pitchFamily="34" charset="0"/>
-              </a:defRPr>
-            </a:lvl1pPr>
-          </a:lstStyle>
-          <a:p>
-            <a:r>
-              <a:rPr lang="vi-VN" sz="2800" b="0" dirty="0"/>
-              <a:t>Trình bày: Lê Thành Luân</a:t>
-            </a:r>
-            <a:endParaRPr lang="en-US" sz="2800" b="0" dirty="0"/>
-          </a:p>
-          <a:p>
-            <a:endParaRPr lang="en-US" sz="2800" b="0" dirty="0"/>
-          </a:p>
-          <a:p>
-            <a:endParaRPr lang="en-US" sz="2800" b="0" dirty="0"/>
-          </a:p>
-        </p:txBody>
-      </p:sp>
-    </p:spTree>
-    <p:extLst>
-      <p:ext uri="{BB962C8B-B14F-4D97-AF65-F5344CB8AC3E}">
-        <p14:creationId xmlns:p14="http://schemas.microsoft.com/office/powerpoint/2010/main" val="743172911"/>
-      </p:ext>
-    </p:extLst>
-  </p:cSld>
-  <p:clrMapOvr>
-    <a:masterClrMapping/>
-  </p:clrMapOvr>
-</p:sld>
-</file>
-
-<file path=ppt/slides/slide3.xml><?xml version="1.0" encoding="utf-8"?>
-<p:sld xmlns:a="http://schemas.openxmlformats.org/drawingml/2006/main" xmlns:r="http://schemas.openxmlformats.org/officeDocument/2006/relationships" xmlns:p="http://schemas.openxmlformats.org/presentationml/2006/main">
-  <p:cSld>
-    <p:spTree>
-      <p:nvGrpSpPr>
-        <p:cNvPr id="1" name=""/>
-        <p:cNvGrpSpPr/>
-        <p:nvPr/>
-      </p:nvGrpSpPr>
-      <p:grpSpPr>
-        <a:xfrm>
-          <a:off x="0" y="0"/>
-          <a:ext cx="0" cy="0"/>
-          <a:chOff x="0" y="0"/>
-          <a:chExt cx="0" cy="0"/>
-        </a:xfrm>
-      </p:grpSpPr>
-      <p:sp>
-        <p:nvSpPr>
-          <p:cNvPr id="2" name="Slide Number Placeholder 1">
-            <a:extLst>
-              <a:ext uri="{FF2B5EF4-FFF2-40B4-BE49-F238E27FC236}">
-                <a16:creationId xmlns:a16="http://schemas.microsoft.com/office/drawing/2014/main" id="{A7101F79-2CBF-4392-B538-B0B5700DB4C6}"/>
-              </a:ext>
-            </a:extLst>
-          </p:cNvPr>
-          <p:cNvSpPr>
-            <a:spLocks noGrp="1"/>
-          </p:cNvSpPr>
-          <p:nvPr>
-            <p:ph type="sldNum" sz="quarter" idx="12"/>
-          </p:nvPr>
-        </p:nvSpPr>
-        <p:spPr/>
-        <p:txBody>
-          <a:bodyPr/>
-          <a:lstStyle/>
-          <a:p>
-            <a:fld id="{9EA0BE3B-158A-4EDF-80DC-E394A0D1600F}" type="slidenum">
-              <a:rPr lang="en-US" smtClean="0"/>
-              <a:pPr/>
-              <a:t>3</a:t>
-            </a:fld>
-            <a:endParaRPr lang="en-US" dirty="0"/>
-          </a:p>
-        </p:txBody>
-      </p:sp>
-      <p:sp>
-        <p:nvSpPr>
-          <p:cNvPr id="3" name="Title 2">
-            <a:extLst>
-              <a:ext uri="{FF2B5EF4-FFF2-40B4-BE49-F238E27FC236}">
-                <a16:creationId xmlns:a16="http://schemas.microsoft.com/office/drawing/2014/main" id="{9EF27CAA-32BA-4E6B-B8C0-1A481E08E81D}"/>
-              </a:ext>
-            </a:extLst>
-          </p:cNvPr>
-          <p:cNvSpPr>
-            <a:spLocks noGrp="1"/>
-          </p:cNvSpPr>
-          <p:nvPr>
-            <p:ph type="title"/>
-          </p:nvPr>
-        </p:nvSpPr>
-        <p:spPr/>
-        <p:txBody>
-          <a:bodyPr/>
-          <a:lstStyle/>
-          <a:p>
-            <a:r>
-              <a:rPr lang="vi-VN" dirty="0"/>
-              <a:t>Nội dụng</a:t>
-            </a:r>
-            <a:endParaRPr lang="en-US" dirty="0"/>
-          </a:p>
-        </p:txBody>
-      </p:sp>
-      <p:sp>
-        <p:nvSpPr>
-          <p:cNvPr id="5" name="TextBox 4">
-            <a:extLst>
-              <a:ext uri="{FF2B5EF4-FFF2-40B4-BE49-F238E27FC236}">
-                <a16:creationId xmlns:a16="http://schemas.microsoft.com/office/drawing/2014/main" id="{307A2E5D-6F0D-77F1-E002-3B0A61968C16}"/>
-              </a:ext>
-            </a:extLst>
-          </p:cNvPr>
-          <p:cNvSpPr txBox="1"/>
-          <p:nvPr/>
-        </p:nvSpPr>
-        <p:spPr>
-          <a:xfrm>
-            <a:off x="847165" y="1613647"/>
-            <a:ext cx="4589718" cy="1354217"/>
-          </a:xfrm>
-          <a:prstGeom prst="rect">
-            <a:avLst/>
-          </a:prstGeom>
-          <a:noFill/>
-        </p:spPr>
-        <p:txBody>
-          <a:bodyPr wrap="none" rtlCol="0">
-            <a:spAutoFit/>
-          </a:bodyPr>
-          <a:lstStyle/>
-          <a:p>
-            <a:pPr marL="857250" indent="-857250">
-              <a:spcBef>
-                <a:spcPts val="600"/>
-              </a:spcBef>
-              <a:spcAft>
-                <a:spcPts val="600"/>
-              </a:spcAft>
-              <a:buAutoNum type="romanUcPeriod"/>
-            </a:pPr>
-            <a:r>
-              <a:rPr lang="vi-VN" sz="3600" dirty="0"/>
-              <a:t>Xác định yêu cầu</a:t>
-            </a:r>
-          </a:p>
-          <a:p>
-            <a:pPr marL="857250" indent="-857250">
-              <a:spcBef>
-                <a:spcPts val="600"/>
-              </a:spcBef>
-              <a:spcAft>
-                <a:spcPts val="600"/>
-              </a:spcAft>
-              <a:buAutoNum type="romanUcPeriod"/>
-            </a:pPr>
-            <a:r>
-              <a:rPr lang="vi-VN" sz="3600" dirty="0"/>
-              <a:t>Mô tả thuật toán </a:t>
-            </a:r>
-            <a:endParaRPr lang="en-US" sz="3600" dirty="0"/>
-          </a:p>
-        </p:txBody>
-      </p:sp>
-    </p:spTree>
-    <p:extLst>
-      <p:ext uri="{BB962C8B-B14F-4D97-AF65-F5344CB8AC3E}">
-        <p14:creationId xmlns:p14="http://schemas.microsoft.com/office/powerpoint/2010/main" val="292364014"/>
-      </p:ext>
-    </p:extLst>
-  </p:cSld>
-  <p:clrMapOvr>
-    <a:masterClrMapping/>
-  </p:clrMapOvr>
-</p:sld>
-</file>
-
-<file path=ppt/slides/slide4.xml><?xml version="1.0" encoding="utf-8"?>
-<p:sld xmlns:a="http://schemas.openxmlformats.org/drawingml/2006/main" xmlns:r="http://schemas.openxmlformats.org/officeDocument/2006/relationships" xmlns:p="http://schemas.openxmlformats.org/presentationml/2006/main">
-  <p:cSld>
-    <p:spTree>
-      <p:nvGrpSpPr>
-        <p:cNvPr id="1" name=""/>
-        <p:cNvGrpSpPr/>
-        <p:nvPr/>
-      </p:nvGrpSpPr>
-      <p:grpSpPr>
-        <a:xfrm>
-          <a:off x="0" y="0"/>
-          <a:ext cx="0" cy="0"/>
-          <a:chOff x="0" y="0"/>
-          <a:chExt cx="0" cy="0"/>
-        </a:xfrm>
-      </p:grpSpPr>
-      <p:sp>
-        <p:nvSpPr>
-          <p:cNvPr id="2" name="Slide Number Placeholder 1">
-            <a:extLst>
-              <a:ext uri="{FF2B5EF4-FFF2-40B4-BE49-F238E27FC236}">
-                <a16:creationId xmlns:a16="http://schemas.microsoft.com/office/drawing/2014/main" id="{9E9CAB07-B0CD-4712-9734-2D3CBC72598C}"/>
-              </a:ext>
-            </a:extLst>
-          </p:cNvPr>
-          <p:cNvSpPr>
-            <a:spLocks noGrp="1"/>
-          </p:cNvSpPr>
-          <p:nvPr>
-            <p:ph type="sldNum" sz="quarter" idx="12"/>
-          </p:nvPr>
-        </p:nvSpPr>
-        <p:spPr/>
-        <p:txBody>
-          <a:bodyPr/>
-          <a:lstStyle/>
-          <a:p>
-            <a:fld id="{9EA0BE3B-158A-4EDF-80DC-E394A0D1600F}" type="slidenum">
-              <a:rPr lang="en-US" smtClean="0"/>
-              <a:pPr/>
-              <a:t>4</a:t>
-            </a:fld>
-            <a:endParaRPr lang="en-US" dirty="0"/>
-          </a:p>
-        </p:txBody>
-      </p:sp>
-      <p:sp>
-        <p:nvSpPr>
-          <p:cNvPr id="3" name="Title 2">
-            <a:extLst>
-              <a:ext uri="{FF2B5EF4-FFF2-40B4-BE49-F238E27FC236}">
-                <a16:creationId xmlns:a16="http://schemas.microsoft.com/office/drawing/2014/main" id="{F39C6F49-1887-4BE4-A583-FB79B8A22935}"/>
-              </a:ext>
-            </a:extLst>
-          </p:cNvPr>
-          <p:cNvSpPr>
-            <a:spLocks noGrp="1"/>
-          </p:cNvSpPr>
-          <p:nvPr>
-            <p:ph type="title"/>
-          </p:nvPr>
-        </p:nvSpPr>
-        <p:spPr/>
-        <p:txBody>
-          <a:bodyPr/>
-          <a:lstStyle/>
-          <a:p>
-            <a:r>
-              <a:rPr lang="vi-VN" dirty="0"/>
-              <a:t>I. Xác định yêu cầu</a:t>
-            </a:r>
-            <a:endParaRPr lang="en-US" dirty="0"/>
-          </a:p>
-        </p:txBody>
-      </p:sp>
-      <p:sp>
-        <p:nvSpPr>
-          <p:cNvPr id="4" name="Text Placeholder 3">
-            <a:extLst>
-              <a:ext uri="{FF2B5EF4-FFF2-40B4-BE49-F238E27FC236}">
-                <a16:creationId xmlns:a16="http://schemas.microsoft.com/office/drawing/2014/main" id="{BC311219-8684-45FC-A126-E067924AC7F7}"/>
-              </a:ext>
-            </a:extLst>
-          </p:cNvPr>
-          <p:cNvSpPr>
-            <a:spLocks noGrp="1"/>
-          </p:cNvSpPr>
-          <p:nvPr>
-            <p:ph type="body" sz="quarter" idx="13"/>
-          </p:nvPr>
-        </p:nvSpPr>
-        <p:spPr>
-          <a:xfrm>
-            <a:off x="219217" y="2264505"/>
-            <a:ext cx="8674100" cy="5132832"/>
-          </a:xfrm>
-        </p:spPr>
-        <p:txBody>
-          <a:bodyPr/>
-          <a:lstStyle/>
-          <a:p>
-            <a:r>
-              <a:rPr lang="vi-VN" dirty="0"/>
-              <a:t>Đầu vào: một vecto chứa giá trị đầu ra của WLS gồm tọa độ x,y,z</a:t>
-            </a:r>
-          </a:p>
-          <a:p>
-            <a:r>
-              <a:rPr lang="vi-VN" dirty="0"/>
-              <a:t>Giá trị đầu ra: Giá trị ra là 1 vecto chứa x,y,z đã được hiệu chỉnh</a:t>
-            </a:r>
-            <a:endParaRPr lang="en-US" dirty="0"/>
-          </a:p>
-        </p:txBody>
-      </p:sp>
-    </p:spTree>
-    <p:extLst>
-      <p:ext uri="{BB962C8B-B14F-4D97-AF65-F5344CB8AC3E}">
-        <p14:creationId xmlns:p14="http://schemas.microsoft.com/office/powerpoint/2010/main" val="2751358436"/>
-      </p:ext>
-    </p:extLst>
-  </p:cSld>
-  <p:clrMapOvr>
-    <a:masterClrMapping/>
-  </p:clrMapOvr>
-</p:sld>
-</file>
-
-<file path=ppt/slides/slide5.xml><?xml version="1.0" encoding="utf-8"?>
-<p:sld xmlns:a="http://schemas.openxmlformats.org/drawingml/2006/main" xmlns:r="http://schemas.openxmlformats.org/officeDocument/2006/relationships" xmlns:p="http://schemas.openxmlformats.org/presentationml/2006/main">
-  <p:cSld>
-    <p:spTree>
-      <p:nvGrpSpPr>
-        <p:cNvPr id="1" name=""/>
-        <p:cNvGrpSpPr/>
-        <p:nvPr/>
-      </p:nvGrpSpPr>
-      <p:grpSpPr>
-        <a:xfrm>
-          <a:off x="0" y="0"/>
-          <a:ext cx="0" cy="0"/>
-          <a:chOff x="0" y="0"/>
-          <a:chExt cx="0" cy="0"/>
-        </a:xfrm>
-      </p:grpSpPr>
-      <p:sp>
-        <p:nvSpPr>
-          <p:cNvPr id="2" name="Slide Number Placeholder 1">
-            <a:extLst>
-              <a:ext uri="{FF2B5EF4-FFF2-40B4-BE49-F238E27FC236}">
-                <a16:creationId xmlns:a16="http://schemas.microsoft.com/office/drawing/2014/main" id="{9E9CAB07-B0CD-4712-9734-2D3CBC72598C}"/>
-              </a:ext>
-            </a:extLst>
-          </p:cNvPr>
-          <p:cNvSpPr>
-            <a:spLocks noGrp="1"/>
-          </p:cNvSpPr>
-          <p:nvPr>
-            <p:ph type="sldNum" sz="quarter" idx="12"/>
-          </p:nvPr>
-        </p:nvSpPr>
-        <p:spPr/>
-        <p:txBody>
-          <a:bodyPr/>
-          <a:lstStyle/>
-          <a:p>
-            <a:fld id="{9EA0BE3B-158A-4EDF-80DC-E394A0D1600F}" type="slidenum">
-              <a:rPr lang="en-US" smtClean="0"/>
-              <a:pPr/>
-              <a:t>5</a:t>
-            </a:fld>
-            <a:endParaRPr lang="en-US" dirty="0"/>
-          </a:p>
-        </p:txBody>
-      </p:sp>
-      <p:sp>
-        <p:nvSpPr>
-          <p:cNvPr id="3" name="Title 2">
-            <a:extLst>
-              <a:ext uri="{FF2B5EF4-FFF2-40B4-BE49-F238E27FC236}">
-                <a16:creationId xmlns:a16="http://schemas.microsoft.com/office/drawing/2014/main" id="{F39C6F49-1887-4BE4-A583-FB79B8A22935}"/>
-              </a:ext>
-            </a:extLst>
-          </p:cNvPr>
-          <p:cNvSpPr>
-            <a:spLocks noGrp="1"/>
-          </p:cNvSpPr>
-          <p:nvPr>
-            <p:ph type="title"/>
-          </p:nvPr>
-        </p:nvSpPr>
-        <p:spPr/>
-        <p:txBody>
-          <a:bodyPr/>
-          <a:lstStyle/>
-          <a:p>
-            <a:r>
-              <a:rPr lang="vi-VN" dirty="0"/>
-              <a:t>SƠ ĐỒ THUẬT TOÁN</a:t>
-            </a:r>
-            <a:endParaRPr lang="en-US" dirty="0"/>
-          </a:p>
-        </p:txBody>
-      </p:sp>
-    </p:spTree>
-    <p:extLst>
-      <p:ext uri="{BB962C8B-B14F-4D97-AF65-F5344CB8AC3E}">
-        <p14:creationId xmlns:p14="http://schemas.microsoft.com/office/powerpoint/2010/main" val="3680930102"/>
-      </p:ext>
-    </p:extLst>
-  </p:cSld>
-  <p:clrMapOvr>
-    <a:masterClrMapping/>
-  </p:clrMapOvr>
-</p:sld>
-</file>
-
-<file path=ppt/slides/slide6.xml><?xml version="1.0" encoding="utf-8"?>
-<p:sld xmlns:a="http://schemas.openxmlformats.org/drawingml/2006/main" xmlns:r="http://schemas.openxmlformats.org/officeDocument/2006/relationships" xmlns:p="http://schemas.openxmlformats.org/presentationml/2006/main">
-  <p:cSld>
-    <p:spTree>
-      <p:nvGrpSpPr>
-        <p:cNvPr id="1" name=""/>
-        <p:cNvGrpSpPr/>
-        <p:nvPr/>
-      </p:nvGrpSpPr>
-      <p:grpSpPr>
-        <a:xfrm>
-          <a:off x="0" y="0"/>
-          <a:ext cx="0" cy="0"/>
-          <a:chOff x="0" y="0"/>
-          <a:chExt cx="0" cy="0"/>
-        </a:xfrm>
-      </p:grpSpPr>
-      <p:sp>
-        <p:nvSpPr>
-          <p:cNvPr id="2" name="Slide Number Placeholder 1">
-            <a:extLst>
-              <a:ext uri="{FF2B5EF4-FFF2-40B4-BE49-F238E27FC236}">
-                <a16:creationId xmlns:a16="http://schemas.microsoft.com/office/drawing/2014/main" id="{9E9CAB07-B0CD-4712-9734-2D3CBC72598C}"/>
-              </a:ext>
-            </a:extLst>
-          </p:cNvPr>
-          <p:cNvSpPr>
-            <a:spLocks noGrp="1"/>
-          </p:cNvSpPr>
-          <p:nvPr>
-            <p:ph type="sldNum" sz="quarter" idx="12"/>
-          </p:nvPr>
-        </p:nvSpPr>
-        <p:spPr/>
-        <p:txBody>
-          <a:bodyPr/>
-          <a:lstStyle/>
-          <a:p>
-            <a:fld id="{9EA0BE3B-158A-4EDF-80DC-E394A0D1600F}" type="slidenum">
-              <a:rPr lang="en-US" smtClean="0"/>
-              <a:pPr/>
-              <a:t>6</a:t>
-            </a:fld>
-            <a:endParaRPr lang="en-US" dirty="0"/>
-          </a:p>
-        </p:txBody>
-      </p:sp>
-      <p:sp>
-        <p:nvSpPr>
-          <p:cNvPr id="3" name="Title 2">
-            <a:extLst>
-              <a:ext uri="{FF2B5EF4-FFF2-40B4-BE49-F238E27FC236}">
-                <a16:creationId xmlns:a16="http://schemas.microsoft.com/office/drawing/2014/main" id="{F39C6F49-1887-4BE4-A583-FB79B8A22935}"/>
-              </a:ext>
-            </a:extLst>
-          </p:cNvPr>
-          <p:cNvSpPr>
-            <a:spLocks noGrp="1"/>
-          </p:cNvSpPr>
-          <p:nvPr>
-            <p:ph type="title"/>
-          </p:nvPr>
-        </p:nvSpPr>
-        <p:spPr/>
-        <p:txBody>
-          <a:bodyPr/>
-          <a:lstStyle/>
-          <a:p>
-            <a:r>
-              <a:rPr lang="vi-VN" dirty="0"/>
-              <a:t>II. Sơ đồ thuật toán</a:t>
-            </a:r>
-            <a:endParaRPr lang="en-US" dirty="0"/>
-          </a:p>
-        </p:txBody>
-      </p:sp>
-      <p:pic>
-        <p:nvPicPr>
-          <p:cNvPr id="10" name="Picture 9">
-            <a:extLst>
-              <a:ext uri="{FF2B5EF4-FFF2-40B4-BE49-F238E27FC236}">
-                <a16:creationId xmlns:a16="http://schemas.microsoft.com/office/drawing/2014/main" id="{06618C5B-E25F-A47C-03D6-44A152703572}"/>
-              </a:ext>
-            </a:extLst>
-          </p:cNvPr>
-          <p:cNvPicPr>
-            <a:picLocks noChangeAspect="1"/>
-          </p:cNvPicPr>
-          <p:nvPr/>
-        </p:nvPicPr>
-        <p:blipFill>
-          <a:blip r:embed="rId3"/>
-          <a:stretch>
-            <a:fillRect/>
-          </a:stretch>
-        </p:blipFill>
-        <p:spPr>
-          <a:xfrm>
-            <a:off x="199415" y="818246"/>
-            <a:ext cx="8745170" cy="1867161"/>
-          </a:xfrm>
-          <a:prstGeom prst="rect">
-            <a:avLst/>
-          </a:prstGeom>
-        </p:spPr>
-      </p:pic>
-      <p:pic>
-        <p:nvPicPr>
-          <p:cNvPr id="50" name="Picture 49">
-            <a:extLst>
-              <a:ext uri="{FF2B5EF4-FFF2-40B4-BE49-F238E27FC236}">
-                <a16:creationId xmlns:a16="http://schemas.microsoft.com/office/drawing/2014/main" id="{BC962677-702C-7CB5-4B23-680AA2687453}"/>
-              </a:ext>
-            </a:extLst>
-          </p:cNvPr>
-          <p:cNvPicPr>
-            <a:picLocks noChangeAspect="1"/>
-          </p:cNvPicPr>
-          <p:nvPr/>
-        </p:nvPicPr>
-        <p:blipFill>
-          <a:blip r:embed="rId4"/>
-          <a:stretch>
-            <a:fillRect/>
-          </a:stretch>
-        </p:blipFill>
-        <p:spPr>
-          <a:xfrm>
-            <a:off x="199415" y="2406010"/>
-            <a:ext cx="3268758" cy="2222756"/>
-          </a:xfrm>
-          <a:prstGeom prst="rect">
-            <a:avLst/>
-          </a:prstGeom>
-        </p:spPr>
-      </p:pic>
-      <p:pic>
-        <p:nvPicPr>
-          <p:cNvPr id="4" name="Picture 3">
-            <a:extLst>
-              <a:ext uri="{FF2B5EF4-FFF2-40B4-BE49-F238E27FC236}">
-                <a16:creationId xmlns:a16="http://schemas.microsoft.com/office/drawing/2014/main" id="{BC866B8B-7B24-BC23-F6C9-4DB53BA7075C}"/>
-              </a:ext>
-            </a:extLst>
-          </p:cNvPr>
-          <p:cNvPicPr>
-            <a:picLocks noChangeAspect="1"/>
-          </p:cNvPicPr>
-          <p:nvPr/>
-        </p:nvPicPr>
-        <p:blipFill>
-          <a:blip r:embed="rId5"/>
-          <a:stretch>
-            <a:fillRect/>
-          </a:stretch>
-        </p:blipFill>
-        <p:spPr>
-          <a:xfrm>
-            <a:off x="1645920" y="3843409"/>
-            <a:ext cx="7469353" cy="2619741"/>
-          </a:xfrm>
-          <a:prstGeom prst="rect">
-            <a:avLst/>
-          </a:prstGeom>
-        </p:spPr>
-      </p:pic>
-    </p:spTree>
-    <p:extLst>
-      <p:ext uri="{BB962C8B-B14F-4D97-AF65-F5344CB8AC3E}">
-        <p14:creationId xmlns:p14="http://schemas.microsoft.com/office/powerpoint/2010/main" val="1264664164"/>
-      </p:ext>
-    </p:extLst>
-  </p:cSld>
-  <p:clrMapOvr>
-    <a:masterClrMapping/>
-  </p:clrMapOvr>
-</p:sld>
-</file>
-
-<file path=ppt/slides/slide7.xml><?xml version="1.0" encoding="utf-8"?>
-<p:sld xmlns:a="http://schemas.openxmlformats.org/drawingml/2006/main" xmlns:r="http://schemas.openxmlformats.org/officeDocument/2006/relationships" xmlns:p="http://schemas.openxmlformats.org/presentationml/2006/main">
-  <p:cSld>
-    <p:spTree>
-      <p:nvGrpSpPr>
-        <p:cNvPr id="1" name=""/>
-        <p:cNvGrpSpPr/>
-        <p:nvPr/>
-      </p:nvGrpSpPr>
-      <p:grpSpPr>
-        <a:xfrm>
-          <a:off x="0" y="0"/>
-          <a:ext cx="0" cy="0"/>
-          <a:chOff x="0" y="0"/>
-          <a:chExt cx="0" cy="0"/>
-        </a:xfrm>
-      </p:grpSpPr>
-      <p:pic>
-        <p:nvPicPr>
-          <p:cNvPr id="7" name="Picture 6">
-            <a:extLst>
-              <a:ext uri="{FF2B5EF4-FFF2-40B4-BE49-F238E27FC236}">
-                <a16:creationId xmlns:a16="http://schemas.microsoft.com/office/drawing/2014/main" id="{DE304BF1-774C-DCF6-5543-7B0B55E0520A}"/>
-              </a:ext>
-            </a:extLst>
-          </p:cNvPr>
-          <p:cNvPicPr>
-            <a:picLocks noChangeAspect="1"/>
-          </p:cNvPicPr>
-          <p:nvPr/>
-        </p:nvPicPr>
-        <p:blipFill>
-          <a:blip r:embed="rId3"/>
-          <a:stretch>
-            <a:fillRect/>
-          </a:stretch>
-        </p:blipFill>
-        <p:spPr>
-          <a:xfrm>
-            <a:off x="937705" y="939607"/>
-            <a:ext cx="7268589" cy="1857634"/>
-          </a:xfrm>
-          <a:prstGeom prst="rect">
-            <a:avLst/>
-          </a:prstGeom>
-        </p:spPr>
-      </p:pic>
-    </p:spTree>
-    <p:extLst>
-      <p:ext uri="{BB962C8B-B14F-4D97-AF65-F5344CB8AC3E}">
-        <p14:creationId xmlns:p14="http://schemas.microsoft.com/office/powerpoint/2010/main" val="2376629047"/>
-      </p:ext>
-    </p:extLst>
-  </p:cSld>
-  <p:clrMapOvr>
-    <a:masterClrMapping/>
-  </p:clrMapOvr>
-</p:sld>
-</file>
-
-<file path=ppt/slides/slide8.xml><?xml version="1.0" encoding="utf-8"?>
-<p:sld xmlns:a="http://schemas.openxmlformats.org/drawingml/2006/main" xmlns:r="http://schemas.openxmlformats.org/officeDocument/2006/relationships" xmlns:p="http://schemas.openxmlformats.org/presentationml/2006/main">
-  <p:cSld>
-    <p:spTree>
-      <p:nvGrpSpPr>
-        <p:cNvPr id="1" name=""/>
-        <p:cNvGrpSpPr/>
-        <p:nvPr/>
-      </p:nvGrpSpPr>
-      <p:grpSpPr>
-        <a:xfrm>
-          <a:off x="0" y="0"/>
-          <a:ext cx="0" cy="0"/>
-          <a:chOff x="0" y="0"/>
-          <a:chExt cx="0" cy="0"/>
-        </a:xfrm>
-      </p:grpSpPr>
-      <p:sp>
-        <p:nvSpPr>
-          <p:cNvPr id="3" name="Title 2">
-            <a:extLst>
-              <a:ext uri="{FF2B5EF4-FFF2-40B4-BE49-F238E27FC236}">
-                <a16:creationId xmlns:a16="http://schemas.microsoft.com/office/drawing/2014/main" id="{F39C6F49-1887-4BE4-A583-FB79B8A22935}"/>
-              </a:ext>
-            </a:extLst>
-          </p:cNvPr>
-          <p:cNvSpPr>
-            <a:spLocks noGrp="1"/>
-          </p:cNvSpPr>
-          <p:nvPr>
-            <p:ph type="title"/>
-          </p:nvPr>
-        </p:nvSpPr>
-        <p:spPr/>
-        <p:txBody>
-          <a:bodyPr/>
-          <a:lstStyle/>
-          <a:p>
-            <a:r>
-              <a:rPr lang="vi-VN" dirty="0"/>
-              <a:t>II. Mô tả thuật toán</a:t>
-            </a:r>
-            <a:endParaRPr lang="en-US" dirty="0"/>
-          </a:p>
-        </p:txBody>
-      </p:sp>
-      <p:pic>
-        <p:nvPicPr>
-          <p:cNvPr id="4" name="Picture 3">
-            <a:extLst>
-              <a:ext uri="{FF2B5EF4-FFF2-40B4-BE49-F238E27FC236}">
-                <a16:creationId xmlns:a16="http://schemas.microsoft.com/office/drawing/2014/main" id="{69868A84-B7AD-EE69-F59C-38CE5B237FF1}"/>
-              </a:ext>
-            </a:extLst>
-          </p:cNvPr>
-          <p:cNvPicPr>
-            <a:picLocks noChangeAspect="1"/>
-          </p:cNvPicPr>
-          <p:nvPr/>
-        </p:nvPicPr>
-        <p:blipFill>
-          <a:blip r:embed="rId3"/>
-          <a:stretch>
-            <a:fillRect/>
-          </a:stretch>
-        </p:blipFill>
-        <p:spPr>
-          <a:xfrm>
-            <a:off x="2200934" y="2080890"/>
-            <a:ext cx="5002505" cy="3401704"/>
-          </a:xfrm>
-          <a:prstGeom prst="rect">
-            <a:avLst/>
-          </a:prstGeom>
-        </p:spPr>
-      </p:pic>
-    </p:spTree>
-    <p:extLst>
-      <p:ext uri="{BB962C8B-B14F-4D97-AF65-F5344CB8AC3E}">
-        <p14:creationId xmlns:p14="http://schemas.microsoft.com/office/powerpoint/2010/main" val="838677936"/>
-      </p:ext>
-    </p:extLst>
-  </p:cSld>
-  <p:clrMapOvr>
-    <a:masterClrMapping/>
-  </p:clrMapOvr>
-</p:sld>
-</file>
-
-<file path=ppt/slides/slide9.xml><?xml version="1.0" encoding="utf-8"?>
-<p:sld xmlns:a="http://schemas.openxmlformats.org/drawingml/2006/main" xmlns:r="http://schemas.openxmlformats.org/officeDocument/2006/relationships" xmlns:p="http://schemas.openxmlformats.org/presentationml/2006/main">
-  <p:cSld>
-    <p:spTree>
-      <p:nvGrpSpPr>
-        <p:cNvPr id="1" name=""/>
-        <p:cNvGrpSpPr/>
-        <p:nvPr/>
-      </p:nvGrpSpPr>
-      <p:grpSpPr>
-        <a:xfrm>
-          <a:off x="0" y="0"/>
-          <a:ext cx="0" cy="0"/>
-          <a:chOff x="0" y="0"/>
-          <a:chExt cx="0" cy="0"/>
-        </a:xfrm>
-      </p:grpSpPr>
-      <p:sp>
-        <p:nvSpPr>
-          <p:cNvPr id="3" name="Title 2">
-            <a:extLst>
-              <a:ext uri="{FF2B5EF4-FFF2-40B4-BE49-F238E27FC236}">
-                <a16:creationId xmlns:a16="http://schemas.microsoft.com/office/drawing/2014/main" id="{F39C6F49-1887-4BE4-A583-FB79B8A22935}"/>
-              </a:ext>
-            </a:extLst>
-          </p:cNvPr>
-          <p:cNvSpPr>
-            <a:spLocks noGrp="1"/>
-          </p:cNvSpPr>
-          <p:nvPr>
-            <p:ph type="title"/>
-          </p:nvPr>
-        </p:nvSpPr>
-        <p:spPr/>
-        <p:txBody>
-          <a:bodyPr/>
-          <a:lstStyle/>
-          <a:p>
-            <a:r>
-              <a:rPr lang="vi-VN" dirty="0"/>
-              <a:t>II. Mô tả thuật toán</a:t>
-            </a:r>
-            <a:endParaRPr lang="en-US" dirty="0"/>
-          </a:p>
-        </p:txBody>
-      </p:sp>
-      <p:pic>
-        <p:nvPicPr>
-          <p:cNvPr id="6" name="Picture 5">
-            <a:extLst>
-              <a:ext uri="{FF2B5EF4-FFF2-40B4-BE49-F238E27FC236}">
-                <a16:creationId xmlns:a16="http://schemas.microsoft.com/office/drawing/2014/main" id="{4B3B9030-7454-78FE-FEDD-EC685B1751AC}"/>
-              </a:ext>
-            </a:extLst>
-          </p:cNvPr>
-          <p:cNvPicPr>
-            <a:picLocks noChangeAspect="1"/>
-          </p:cNvPicPr>
-          <p:nvPr/>
-        </p:nvPicPr>
-        <p:blipFill>
-          <a:blip r:embed="rId3"/>
-          <a:stretch>
-            <a:fillRect/>
-          </a:stretch>
-        </p:blipFill>
-        <p:spPr>
-          <a:xfrm>
-            <a:off x="441160" y="1069100"/>
-            <a:ext cx="8261680" cy="4719799"/>
-          </a:xfrm>
-          <a:prstGeom prst="rect">
-            <a:avLst/>
-          </a:prstGeom>
-        </p:spPr>
-      </p:pic>
-    </p:spTree>
-    <p:extLst>
-      <p:ext uri="{BB962C8B-B14F-4D97-AF65-F5344CB8AC3E}">
-        <p14:creationId xmlns:p14="http://schemas.microsoft.com/office/powerpoint/2010/main" val="182343462"/>
       </p:ext>
     </p:extLst>
   </p:cSld>
